--- a/slides/Projeto Maia.pptx
+++ b/slides/Projeto Maia.pptx
@@ -629,10 +629,10 @@
       </p:sp>
       <p:pic>
         <p:nvPicPr>
-          <p:cNvPr id="8" name="Imagem 7" descr="Interface gráfica do usuário, Texto&#10;&#10;Descrição gerada automaticamente">
-            <a:extLst>
-              <a:ext uri="{FF2B5EF4-FFF2-40B4-BE49-F238E27FC236}">
-                <a16:creationId xmlns:a16="http://schemas.microsoft.com/office/drawing/2014/main" id="{2136D06F-5535-42FE-BD9E-366287693C1C}"/>
+          <p:cNvPr id="10" name="Imagem 9" descr="Ícone&#10;&#10;Descrição gerada automaticamente">
+            <a:extLst>
+              <a:ext uri="{FF2B5EF4-FFF2-40B4-BE49-F238E27FC236}">
+                <a16:creationId xmlns:a16="http://schemas.microsoft.com/office/drawing/2014/main" id="{334BF8E2-90BF-44D2-81DC-EE57CB1062E5}"/>
               </a:ext>
             </a:extLst>
           </p:cNvPr>
@@ -643,42 +643,6 @@
         </p:nvPicPr>
         <p:blipFill>
           <a:blip r:embed="rId2">
-            <a:extLst>
-              <a:ext uri="{28A0092B-C50C-407E-A947-70E740481C1C}">
-                <a14:useLocalDpi xmlns:a14="http://schemas.microsoft.com/office/drawing/2010/main" val="0"/>
-              </a:ext>
-            </a:extLst>
-          </a:blip>
-          <a:stretch>
-            <a:fillRect/>
-          </a:stretch>
-        </p:blipFill>
-        <p:spPr>
-          <a:xfrm>
-            <a:off x="8610600" y="192087"/>
-            <a:ext cx="2946032" cy="723809"/>
-          </a:xfrm>
-          <a:prstGeom prst="rect">
-            <a:avLst/>
-          </a:prstGeom>
-        </p:spPr>
-      </p:pic>
-      <p:pic>
-        <p:nvPicPr>
-          <p:cNvPr id="10" name="Imagem 9" descr="Ícone&#10;&#10;Descrição gerada automaticamente">
-            <a:extLst>
-              <a:ext uri="{FF2B5EF4-FFF2-40B4-BE49-F238E27FC236}">
-                <a16:creationId xmlns:a16="http://schemas.microsoft.com/office/drawing/2014/main" id="{334BF8E2-90BF-44D2-81DC-EE57CB1062E5}"/>
-              </a:ext>
-            </a:extLst>
-          </p:cNvPr>
-          <p:cNvPicPr>
-            <a:picLocks noChangeAspect="1"/>
-          </p:cNvPicPr>
-          <p:nvPr userDrawn="1"/>
-        </p:nvPicPr>
-        <p:blipFill>
-          <a:blip r:embed="rId3">
             <a:extLst>
               <a:ext uri="{28A0092B-C50C-407E-A947-70E740481C1C}">
                 <a14:useLocalDpi xmlns:a14="http://schemas.microsoft.com/office/drawing/2010/main" val="0"/>
@@ -3959,6 +3923,66 @@
               <a:t>Autogenous</a:t>
             </a:r>
             <a:br>
+              <a:rPr lang="pt-BR" sz="2800" b="1" dirty="0">
+                <a:solidFill>
+                  <a:srgbClr val="FFFF00"/>
+                </a:solidFill>
+              </a:rPr>
+            </a:br>
+            <a:br>
+              <a:rPr lang="pt-BR" sz="2800" b="1" dirty="0">
+                <a:solidFill>
+                  <a:srgbClr val="FFFF00"/>
+                </a:solidFill>
+              </a:rPr>
+            </a:br>
+            <a:r>
+              <a:rPr lang="pt-BR" sz="1800" dirty="0">
+                <a:solidFill>
+                  <a:srgbClr val="FFFF00"/>
+                </a:solidFill>
+              </a:rPr>
+              <a:t>por</a:t>
+            </a:r>
+            <a:br>
+              <a:rPr lang="pt-BR" sz="1800" b="1" dirty="0">
+                <a:solidFill>
+                  <a:srgbClr val="FFFF00"/>
+                </a:solidFill>
+              </a:rPr>
+            </a:br>
+            <a:br>
+              <a:rPr lang="pt-BR" sz="1800" b="1" dirty="0">
+                <a:solidFill>
+                  <a:srgbClr val="FFFF00"/>
+                </a:solidFill>
+              </a:rPr>
+            </a:br>
+            <a:r>
+              <a:rPr lang="pt-BR" sz="2000" dirty="0">
+                <a:solidFill>
+                  <a:srgbClr val="FFFF00"/>
+                </a:solidFill>
+              </a:rPr>
+              <a:t>Roberto Monteiro, Renata Barreto, </a:t>
+            </a:r>
+            <a:r>
+              <a:rPr lang="pt-BR" sz="2000" dirty="0" err="1">
+                <a:solidFill>
+                  <a:srgbClr val="FFFF00"/>
+                </a:solidFill>
+              </a:rPr>
+              <a:t>Hernane</a:t>
+            </a:r>
+            <a:r>
+              <a:rPr lang="pt-BR" sz="2000" dirty="0">
+                <a:solidFill>
+                  <a:srgbClr val="FFFF00"/>
+                </a:solidFill>
+              </a:rPr>
+              <a:t> Pereira</a:t>
+            </a:r>
+            <a:br>
               <a:rPr lang="pt-BR" b="1" dirty="0">
                 <a:solidFill>
                   <a:srgbClr val="FFFF00"/>
@@ -4001,7 +4025,7 @@
         </p:blipFill>
         <p:spPr>
           <a:xfrm rot="3142622">
-            <a:off x="6373234" y="5619936"/>
+            <a:off x="10561877" y="67015"/>
             <a:ext cx="768837" cy="1219200"/>
           </a:xfrm>
           <a:prstGeom prst="rect">
@@ -6184,77 +6208,11 @@
           <a:p>
             <a:r>
               <a:rPr lang="pt-BR" dirty="0"/>
-              <a:t>Quais as nossas metas?</a:t>
-            </a:r>
-          </a:p>
-        </p:txBody>
-      </p:sp>
-      <p:sp>
-        <p:nvSpPr>
-          <p:cNvPr id="3" name="Espaço Reservado para Conteúdo 2">
-            <a:extLst>
-              <a:ext uri="{FF2B5EF4-FFF2-40B4-BE49-F238E27FC236}">
-                <a16:creationId xmlns:a16="http://schemas.microsoft.com/office/drawing/2014/main" id="{43D0B6F9-0106-4273-A7F3-A2193DB90ABC}"/>
-              </a:ext>
-            </a:extLst>
-          </p:cNvPr>
-          <p:cNvSpPr>
-            <a:spLocks noGrp="1"/>
-          </p:cNvSpPr>
-          <p:nvPr>
-            <p:ph idx="1"/>
-          </p:nvPr>
-        </p:nvSpPr>
-        <p:spPr/>
-        <p:txBody>
-          <a:bodyPr>
-            <a:normAutofit/>
-          </a:bodyPr>
-          <a:lstStyle/>
-          <a:p>
-            <a:r>
-              <a:rPr lang="pt-BR" dirty="0"/>
               <a:t>Cronograma</a:t>
             </a:r>
           </a:p>
         </p:txBody>
       </p:sp>
-      <p:pic>
-        <p:nvPicPr>
-          <p:cNvPr id="11" name="Imagem 10" descr="Ícone&#10;&#10;Descrição gerada automaticamente">
-            <a:extLst>
-              <a:ext uri="{FF2B5EF4-FFF2-40B4-BE49-F238E27FC236}">
-                <a16:creationId xmlns:a16="http://schemas.microsoft.com/office/drawing/2014/main" id="{D213E292-0E6E-400E-921A-49E893F455AE}"/>
-              </a:ext>
-            </a:extLst>
-          </p:cNvPr>
-          <p:cNvPicPr>
-            <a:picLocks noChangeAspect="1"/>
-          </p:cNvPicPr>
-          <p:nvPr/>
-        </p:nvPicPr>
-        <p:blipFill>
-          <a:blip r:embed="rId2">
-            <a:extLst>
-              <a:ext uri="{28A0092B-C50C-407E-A947-70E740481C1C}">
-                <a14:useLocalDpi xmlns:a14="http://schemas.microsoft.com/office/drawing/2010/main" val="0"/>
-              </a:ext>
-            </a:extLst>
-          </a:blip>
-          <a:stretch>
-            <a:fillRect/>
-          </a:stretch>
-        </p:blipFill>
-        <p:spPr>
-          <a:xfrm>
-            <a:off x="643127" y="1825625"/>
-            <a:ext cx="390145" cy="390145"/>
-          </a:xfrm>
-          <a:prstGeom prst="rect">
-            <a:avLst/>
-          </a:prstGeom>
-        </p:spPr>
-      </p:pic>
       <p:sp>
         <p:nvSpPr>
           <p:cNvPr id="6" name="Retângulo 5">
@@ -6397,7 +6355,6 @@
           <a:bodyPr rtlCol="0" anchor="ctr"/>
           <a:lstStyle/>
           <a:p>
-            <a:pPr algn="ctr"/>
             <a:r>
               <a:rPr lang="pt-BR" sz="3200" b="1" dirty="0" err="1"/>
               <a:t>MaiaScript</a:t>
@@ -6448,7 +6405,6 @@
           <a:bodyPr rtlCol="0" anchor="ctr"/>
           <a:lstStyle/>
           <a:p>
-            <a:pPr algn="ctr"/>
             <a:r>
               <a:rPr lang="pt-BR" sz="3200" b="1" dirty="0" err="1"/>
               <a:t>MaiaStudio</a:t>
@@ -6499,7 +6455,6 @@
           <a:bodyPr rtlCol="0" anchor="ctr"/>
           <a:lstStyle/>
           <a:p>
-            <a:pPr algn="ctr"/>
             <a:r>
               <a:rPr lang="pt-BR" sz="3200" b="1" dirty="0" err="1"/>
               <a:t>LearningBlocly</a:t>
@@ -6550,7 +6505,6 @@
           <a:bodyPr rtlCol="0" anchor="ctr"/>
           <a:lstStyle/>
           <a:p>
-            <a:pPr algn="ctr"/>
             <a:r>
               <a:rPr lang="pt-BR" sz="3200" b="1" dirty="0" err="1"/>
               <a:t>CNATool</a:t>
@@ -6573,7 +6527,7 @@
         </p:nvSpPr>
         <p:spPr>
           <a:xfrm>
-            <a:off x="4348873" y="3100648"/>
+            <a:off x="4348873" y="3089120"/>
             <a:ext cx="3600000" cy="540000"/>
           </a:xfrm>
           <a:prstGeom prst="rect">
@@ -6601,7 +6555,6 @@
           <a:bodyPr rtlCol="0" anchor="ctr"/>
           <a:lstStyle/>
           <a:p>
-            <a:pPr algn="ctr"/>
             <a:r>
               <a:rPr lang="pt-BR" sz="3200" b="1" dirty="0" err="1"/>
               <a:t>MaiaRecorder</a:t>
@@ -6624,7 +6577,7 @@
         </p:nvSpPr>
         <p:spPr>
           <a:xfrm>
-            <a:off x="4348873" y="3665563"/>
+            <a:off x="4348873" y="3640648"/>
             <a:ext cx="3600000" cy="540000"/>
           </a:xfrm>
           <a:prstGeom prst="rect">
@@ -6652,7 +6605,6 @@
           <a:bodyPr rtlCol="0" anchor="ctr"/>
           <a:lstStyle/>
           <a:p>
-            <a:pPr algn="ctr"/>
             <a:r>
               <a:rPr lang="pt-BR" sz="3200" b="1" dirty="0" err="1"/>
               <a:t>MaiaMeet</a:t>
@@ -6675,7 +6627,7 @@
         </p:nvSpPr>
         <p:spPr>
           <a:xfrm>
-            <a:off x="4348873" y="4230478"/>
+            <a:off x="4348873" y="4213783"/>
             <a:ext cx="3600000" cy="540000"/>
           </a:xfrm>
           <a:prstGeom prst="rect">
@@ -6705,7 +6657,6 @@
           <a:bodyPr rtlCol="0" anchor="ctr"/>
           <a:lstStyle/>
           <a:p>
-            <a:pPr algn="ctr"/>
             <a:r>
               <a:rPr lang="pt-BR" sz="3200" b="1" dirty="0" err="1"/>
               <a:t>MaiaHPC</a:t>
@@ -6758,7 +6709,6 @@
           <a:bodyPr rtlCol="0" anchor="ctr"/>
           <a:lstStyle/>
           <a:p>
-            <a:pPr algn="ctr"/>
             <a:r>
               <a:rPr lang="pt-BR" sz="3200" b="1" dirty="0" err="1"/>
               <a:t>Lyza</a:t>
@@ -6842,7 +6792,7 @@
         </p:nvSpPr>
         <p:spPr>
           <a:xfrm>
-            <a:off x="8054619" y="3100648"/>
+            <a:off x="8054619" y="3663762"/>
             <a:ext cx="3600000" cy="540000"/>
           </a:xfrm>
           <a:prstGeom prst="rect">
@@ -6872,7 +6822,6 @@
           <a:bodyPr rtlCol="0" anchor="ctr"/>
           <a:lstStyle/>
           <a:p>
-            <a:pPr algn="ctr"/>
             <a:r>
               <a:rPr lang="pt-BR" sz="3200" b="1" dirty="0"/>
               <a:t>M.A.I.A.</a:t>
@@ -6880,6 +6829,328 @@
           </a:p>
         </p:txBody>
       </p:sp>
+      <p:sp>
+        <p:nvSpPr>
+          <p:cNvPr id="24" name="Retângulo 23">
+            <a:extLst>
+              <a:ext uri="{FF2B5EF4-FFF2-40B4-BE49-F238E27FC236}">
+                <a16:creationId xmlns:a16="http://schemas.microsoft.com/office/drawing/2014/main" id="{350515FB-1616-457B-8000-CDFF404E8208}"/>
+              </a:ext>
+            </a:extLst>
+          </p:cNvPr>
+          <p:cNvSpPr/>
+          <p:nvPr/>
+        </p:nvSpPr>
+        <p:spPr>
+          <a:xfrm>
+            <a:off x="8054619" y="3093945"/>
+            <a:ext cx="3600000" cy="540000"/>
+          </a:xfrm>
+          <a:prstGeom prst="rect">
+            <a:avLst/>
+          </a:prstGeom>
+          <a:solidFill>
+            <a:schemeClr val="accent4">
+              <a:lumMod val="50000"/>
+            </a:schemeClr>
+          </a:solidFill>
+        </p:spPr>
+        <p:style>
+          <a:lnRef idx="2">
+            <a:schemeClr val="dk1"/>
+          </a:lnRef>
+          <a:fillRef idx="1">
+            <a:schemeClr val="lt1"/>
+          </a:fillRef>
+          <a:effectRef idx="0">
+            <a:schemeClr val="dk1"/>
+          </a:effectRef>
+          <a:fontRef idx="minor">
+            <a:schemeClr val="dk1"/>
+          </a:fontRef>
+        </p:style>
+        <p:txBody>
+          <a:bodyPr rtlCol="0" anchor="ctr"/>
+          <a:lstStyle/>
+          <a:p>
+            <a:r>
+              <a:rPr lang="pt-BR" sz="3200" b="1" dirty="0" err="1"/>
+              <a:t>MaiaServer</a:t>
+            </a:r>
+            <a:endParaRPr lang="pt-BR" sz="3200" b="1" dirty="0"/>
+          </a:p>
+        </p:txBody>
+      </p:sp>
+      <p:pic>
+        <p:nvPicPr>
+          <p:cNvPr id="25" name="Imagem 24" descr="Desenho de um círculo&#10;&#10;Descrição gerada automaticamente com confiança baixa">
+            <a:extLst>
+              <a:ext uri="{FF2B5EF4-FFF2-40B4-BE49-F238E27FC236}">
+                <a16:creationId xmlns:a16="http://schemas.microsoft.com/office/drawing/2014/main" id="{5E6F99C3-340A-4BEB-B2EA-7172673D7591}"/>
+              </a:ext>
+            </a:extLst>
+          </p:cNvPr>
+          <p:cNvPicPr>
+            <a:picLocks noChangeAspect="1"/>
+          </p:cNvPicPr>
+          <p:nvPr/>
+        </p:nvPicPr>
+        <p:blipFill>
+          <a:blip r:embed="rId2">
+            <a:extLst>
+              <a:ext uri="{28A0092B-C50C-407E-A947-70E740481C1C}">
+                <a14:useLocalDpi xmlns:a14="http://schemas.microsoft.com/office/drawing/2010/main" val="0"/>
+              </a:ext>
+            </a:extLst>
+          </a:blip>
+          <a:stretch>
+            <a:fillRect/>
+          </a:stretch>
+        </p:blipFill>
+        <p:spPr>
+          <a:xfrm>
+            <a:off x="10273800" y="5096963"/>
+            <a:ext cx="1080000" cy="1080000"/>
+          </a:xfrm>
+          <a:prstGeom prst="rect">
+            <a:avLst/>
+          </a:prstGeom>
+        </p:spPr>
+      </p:pic>
+      <p:pic>
+        <p:nvPicPr>
+          <p:cNvPr id="10" name="Gráfico 9" descr="Marca de seleção com preenchimento sólido">
+            <a:extLst>
+              <a:ext uri="{FF2B5EF4-FFF2-40B4-BE49-F238E27FC236}">
+                <a16:creationId xmlns:a16="http://schemas.microsoft.com/office/drawing/2014/main" id="{028AFA24-ECE7-4071-A91E-869D8EA96E80}"/>
+              </a:ext>
+            </a:extLst>
+          </p:cNvPr>
+          <p:cNvPicPr>
+            <a:picLocks noChangeAspect="1"/>
+          </p:cNvPicPr>
+          <p:nvPr/>
+        </p:nvPicPr>
+        <p:blipFill>
+          <a:blip r:embed="rId3">
+            <a:extLst>
+              <a:ext uri="{28A0092B-C50C-407E-A947-70E740481C1C}">
+                <a14:useLocalDpi xmlns:a14="http://schemas.microsoft.com/office/drawing/2010/main" val="0"/>
+              </a:ext>
+              <a:ext uri="{96DAC541-7B7A-43D3-8B79-37D633B846F1}">
+                <asvg:svgBlip xmlns:asvg="http://schemas.microsoft.com/office/drawing/2016/SVG/main" r:embed="rId4"/>
+              </a:ext>
+            </a:extLst>
+          </a:blip>
+          <a:stretch>
+            <a:fillRect/>
+          </a:stretch>
+        </p:blipFill>
+        <p:spPr>
+          <a:xfrm>
+            <a:off x="3756000" y="3179120"/>
+            <a:ext cx="360000" cy="360000"/>
+          </a:xfrm>
+          <a:prstGeom prst="rect">
+            <a:avLst/>
+          </a:prstGeom>
+        </p:spPr>
+      </p:pic>
+      <p:pic>
+        <p:nvPicPr>
+          <p:cNvPr id="26" name="Gráfico 25" descr="Marca de seleção com preenchimento sólido">
+            <a:extLst>
+              <a:ext uri="{FF2B5EF4-FFF2-40B4-BE49-F238E27FC236}">
+                <a16:creationId xmlns:a16="http://schemas.microsoft.com/office/drawing/2014/main" id="{8E7D82A3-99A2-404D-A235-82AE999E3C43}"/>
+              </a:ext>
+            </a:extLst>
+          </p:cNvPr>
+          <p:cNvPicPr>
+            <a:picLocks noChangeAspect="1"/>
+          </p:cNvPicPr>
+          <p:nvPr/>
+        </p:nvPicPr>
+        <p:blipFill>
+          <a:blip r:embed="rId3">
+            <a:extLst>
+              <a:ext uri="{28A0092B-C50C-407E-A947-70E740481C1C}">
+                <a14:useLocalDpi xmlns:a14="http://schemas.microsoft.com/office/drawing/2010/main" val="0"/>
+              </a:ext>
+              <a:ext uri="{96DAC541-7B7A-43D3-8B79-37D633B846F1}">
+                <asvg:svgBlip xmlns:asvg="http://schemas.microsoft.com/office/drawing/2016/SVG/main" r:embed="rId4"/>
+              </a:ext>
+            </a:extLst>
+          </a:blip>
+          <a:stretch>
+            <a:fillRect/>
+          </a:stretch>
+        </p:blipFill>
+        <p:spPr>
+          <a:xfrm>
+            <a:off x="3756000" y="3753762"/>
+            <a:ext cx="360000" cy="360000"/>
+          </a:xfrm>
+          <a:prstGeom prst="rect">
+            <a:avLst/>
+          </a:prstGeom>
+        </p:spPr>
+      </p:pic>
+      <p:pic>
+        <p:nvPicPr>
+          <p:cNvPr id="27" name="Gráfico 26" descr="Marca de seleção com preenchimento sólido">
+            <a:extLst>
+              <a:ext uri="{FF2B5EF4-FFF2-40B4-BE49-F238E27FC236}">
+                <a16:creationId xmlns:a16="http://schemas.microsoft.com/office/drawing/2014/main" id="{F6E15C1D-EB6F-46DF-B95B-F608837F8CD8}"/>
+              </a:ext>
+            </a:extLst>
+          </p:cNvPr>
+          <p:cNvPicPr>
+            <a:picLocks noChangeAspect="1"/>
+          </p:cNvPicPr>
+          <p:nvPr/>
+        </p:nvPicPr>
+        <p:blipFill>
+          <a:blip r:embed="rId3">
+            <a:extLst>
+              <a:ext uri="{28A0092B-C50C-407E-A947-70E740481C1C}">
+                <a14:useLocalDpi xmlns:a14="http://schemas.microsoft.com/office/drawing/2010/main" val="0"/>
+              </a:ext>
+              <a:ext uri="{96DAC541-7B7A-43D3-8B79-37D633B846F1}">
+                <asvg:svgBlip xmlns:asvg="http://schemas.microsoft.com/office/drawing/2016/SVG/main" r:embed="rId4"/>
+              </a:ext>
+            </a:extLst>
+          </a:blip>
+          <a:stretch>
+            <a:fillRect/>
+          </a:stretch>
+        </p:blipFill>
+        <p:spPr>
+          <a:xfrm>
+            <a:off x="3756000" y="4293762"/>
+            <a:ext cx="360000" cy="360000"/>
+          </a:xfrm>
+          <a:prstGeom prst="rect">
+            <a:avLst/>
+          </a:prstGeom>
+        </p:spPr>
+      </p:pic>
+      <p:pic>
+        <p:nvPicPr>
+          <p:cNvPr id="28" name="Gráfico 27" descr="Marca de seleção com preenchimento sólido">
+            <a:extLst>
+              <a:ext uri="{FF2B5EF4-FFF2-40B4-BE49-F238E27FC236}">
+                <a16:creationId xmlns:a16="http://schemas.microsoft.com/office/drawing/2014/main" id="{FD34077E-11A7-4170-B41F-117A9B57D228}"/>
+              </a:ext>
+            </a:extLst>
+          </p:cNvPr>
+          <p:cNvPicPr>
+            <a:picLocks noChangeAspect="1"/>
+          </p:cNvPicPr>
+          <p:nvPr/>
+        </p:nvPicPr>
+        <p:blipFill>
+          <a:blip r:embed="rId3">
+            <a:extLst>
+              <a:ext uri="{28A0092B-C50C-407E-A947-70E740481C1C}">
+                <a14:useLocalDpi xmlns:a14="http://schemas.microsoft.com/office/drawing/2010/main" val="0"/>
+              </a:ext>
+              <a:ext uri="{96DAC541-7B7A-43D3-8B79-37D633B846F1}">
+                <asvg:svgBlip xmlns:asvg="http://schemas.microsoft.com/office/drawing/2016/SVG/main" r:embed="rId4"/>
+              </a:ext>
+            </a:extLst>
+          </a:blip>
+          <a:stretch>
+            <a:fillRect/>
+          </a:stretch>
+        </p:blipFill>
+        <p:spPr>
+          <a:xfrm>
+            <a:off x="3756000" y="4875124"/>
+            <a:ext cx="360000" cy="360000"/>
+          </a:xfrm>
+          <a:prstGeom prst="rect">
+            <a:avLst/>
+          </a:prstGeom>
+        </p:spPr>
+      </p:pic>
+      <p:pic>
+        <p:nvPicPr>
+          <p:cNvPr id="29" name="Gráfico 28" descr="Marca de seleção com preenchimento sólido">
+            <a:extLst>
+              <a:ext uri="{FF2B5EF4-FFF2-40B4-BE49-F238E27FC236}">
+                <a16:creationId xmlns:a16="http://schemas.microsoft.com/office/drawing/2014/main" id="{8D79BF85-2EDE-42AA-BAE4-1BFB83443DEE}"/>
+              </a:ext>
+            </a:extLst>
+          </p:cNvPr>
+          <p:cNvPicPr>
+            <a:picLocks noChangeAspect="1"/>
+          </p:cNvPicPr>
+          <p:nvPr/>
+        </p:nvPicPr>
+        <p:blipFill>
+          <a:blip r:embed="rId3">
+            <a:extLst>
+              <a:ext uri="{28A0092B-C50C-407E-A947-70E740481C1C}">
+                <a14:useLocalDpi xmlns:a14="http://schemas.microsoft.com/office/drawing/2010/main" val="0"/>
+              </a:ext>
+              <a:ext uri="{96DAC541-7B7A-43D3-8B79-37D633B846F1}">
+                <asvg:svgBlip xmlns:asvg="http://schemas.microsoft.com/office/drawing/2016/SVG/main" r:embed="rId4"/>
+              </a:ext>
+            </a:extLst>
+          </a:blip>
+          <a:stretch>
+            <a:fillRect/>
+          </a:stretch>
+        </p:blipFill>
+        <p:spPr>
+          <a:xfrm>
+            <a:off x="7461746" y="3174110"/>
+            <a:ext cx="360000" cy="360000"/>
+          </a:xfrm>
+          <a:prstGeom prst="rect">
+            <a:avLst/>
+          </a:prstGeom>
+        </p:spPr>
+      </p:pic>
+      <p:pic>
+        <p:nvPicPr>
+          <p:cNvPr id="30" name="Gráfico 29" descr="Marca de seleção com preenchimento sólido">
+            <a:extLst>
+              <a:ext uri="{FF2B5EF4-FFF2-40B4-BE49-F238E27FC236}">
+                <a16:creationId xmlns:a16="http://schemas.microsoft.com/office/drawing/2014/main" id="{22585A00-C51D-4D57-BC30-3872E470BD67}"/>
+              </a:ext>
+            </a:extLst>
+          </p:cNvPr>
+          <p:cNvPicPr>
+            <a:picLocks noChangeAspect="1"/>
+          </p:cNvPicPr>
+          <p:nvPr/>
+        </p:nvPicPr>
+        <p:blipFill>
+          <a:blip r:embed="rId3">
+            <a:extLst>
+              <a:ext uri="{28A0092B-C50C-407E-A947-70E740481C1C}">
+                <a14:useLocalDpi xmlns:a14="http://schemas.microsoft.com/office/drawing/2010/main" val="0"/>
+              </a:ext>
+              <a:ext uri="{96DAC541-7B7A-43D3-8B79-37D633B846F1}">
+                <asvg:svgBlip xmlns:asvg="http://schemas.microsoft.com/office/drawing/2016/SVG/main" r:embed="rId4"/>
+              </a:ext>
+            </a:extLst>
+          </a:blip>
+          <a:stretch>
+            <a:fillRect/>
+          </a:stretch>
+        </p:blipFill>
+        <p:spPr>
+          <a:xfrm>
+            <a:off x="7461746" y="3755472"/>
+            <a:ext cx="360000" cy="360000"/>
+          </a:xfrm>
+          <a:prstGeom prst="rect">
+            <a:avLst/>
+          </a:prstGeom>
+        </p:spPr>
+      </p:pic>
     </p:spTree>
     <p:extLst>
       <p:ext uri="{BB962C8B-B14F-4D97-AF65-F5344CB8AC3E}">
@@ -6982,7 +7253,29 @@
                   <a:srgbClr val="FFFF00"/>
                 </a:solidFill>
               </a:rPr>
-              <a:t>Construir um framework para criação de programas adaptáveis e inteligentes.</a:t>
+              <a:t>Construir um framework para criação de programas adaptáveis e inteligentes;</a:t>
+            </a:r>
+          </a:p>
+          <a:p>
+            <a:pPr lvl="1"/>
+            <a:r>
+              <a:rPr lang="pt-BR" dirty="0">
+                <a:solidFill>
+                  <a:srgbClr val="FFFF00"/>
+                </a:solidFill>
+              </a:rPr>
+              <a:t>Criar uma linguagem de programação científica;</a:t>
+            </a:r>
+          </a:p>
+          <a:p>
+            <a:pPr lvl="1"/>
+            <a:r>
+              <a:rPr lang="pt-BR" dirty="0">
+                <a:solidFill>
+                  <a:srgbClr val="FFFF00"/>
+                </a:solidFill>
+              </a:rPr>
+              <a:t>Desenvolver um framework para processamento de alto desempenho.</a:t>
             </a:r>
           </a:p>
         </p:txBody>
@@ -7036,14 +7329,43 @@
         <p:spPr/>
         <p:txBody>
           <a:bodyPr>
-            <a:normAutofit fontScale="90000"/>
+            <a:noAutofit/>
           </a:bodyPr>
           <a:lstStyle/>
           <a:p>
             <a:r>
-              <a:rPr lang="pt-BR" dirty="0"/>
-              <a:t>O que é M.A.I.A.?</a:t>
-            </a:r>
+              <a:rPr lang="pt-BR" sz="5400" b="1" dirty="0">
+                <a:solidFill>
+                  <a:srgbClr val="FFFF00"/>
+                </a:solidFill>
+              </a:rPr>
+              <a:t>Maia Artificial </a:t>
+            </a:r>
+            <a:r>
+              <a:rPr lang="pt-BR" sz="5400" b="1" dirty="0" err="1">
+                <a:solidFill>
+                  <a:srgbClr val="FFFF00"/>
+                </a:solidFill>
+              </a:rPr>
+              <a:t>Inteligence</a:t>
+            </a:r>
+            <a:r>
+              <a:rPr lang="pt-BR" sz="5400" b="1" dirty="0">
+                <a:solidFill>
+                  <a:srgbClr val="FFFF00"/>
+                </a:solidFill>
+              </a:rPr>
+              <a:t> </a:t>
+            </a:r>
+            <a:r>
+              <a:rPr lang="pt-BR" sz="5400" b="1" dirty="0" err="1">
+                <a:solidFill>
+                  <a:srgbClr val="FFFF00"/>
+                </a:solidFill>
+              </a:rPr>
+              <a:t>Autogenous</a:t>
+            </a:r>
+            <a:endParaRPr lang="pt-BR" sz="5400" dirty="0"/>
           </a:p>
         </p:txBody>
       </p:sp>
@@ -7063,65 +7385,57 @@
             <p:ph idx="1"/>
           </p:nvPr>
         </p:nvSpPr>
-        <p:spPr/>
-        <p:txBody>
-          <a:bodyPr/>
+        <p:spPr>
+          <a:xfrm>
+            <a:off x="838200" y="2107095"/>
+            <a:ext cx="10515600" cy="4069867"/>
+          </a:xfrm>
+        </p:spPr>
+        <p:txBody>
+          <a:bodyPr>
+            <a:normAutofit lnSpcReduction="10000"/>
+          </a:bodyPr>
           <a:lstStyle/>
           <a:p>
-            <a:r>
-              <a:rPr lang="pt-BR" dirty="0"/>
+            <a:pPr marL="0" indent="0" algn="ctr">
+              <a:buNone/>
+            </a:pPr>
+            <a:r>
+              <a:rPr lang="pt-BR" sz="19900" dirty="0"/>
               <a:t>M.A.I.A.</a:t>
             </a:r>
           </a:p>
           <a:p>
-            <a:pPr lvl="1"/>
+            <a:pPr marL="0" indent="0" algn="ctr">
+              <a:buNone/>
+            </a:pPr>
+            <a:endParaRPr lang="pt-BR" dirty="0">
+              <a:solidFill>
+                <a:srgbClr val="FFFF00"/>
+              </a:solidFill>
+            </a:endParaRPr>
+          </a:p>
+          <a:p>
+            <a:pPr marL="0" indent="0" algn="ctr">
+              <a:buNone/>
+            </a:pPr>
+            <a:endParaRPr lang="pt-BR" dirty="0">
+              <a:solidFill>
+                <a:srgbClr val="FFFF00"/>
+              </a:solidFill>
+            </a:endParaRPr>
+          </a:p>
+          <a:p>
+            <a:pPr marL="0" indent="0" algn="ctr">
+              <a:buNone/>
+            </a:pPr>
             <a:r>
               <a:rPr lang="pt-BR" dirty="0">
                 <a:solidFill>
                   <a:srgbClr val="FFFF00"/>
                 </a:solidFill>
               </a:rPr>
-              <a:t>M.A.I.A. é um acrônimo para </a:t>
-            </a:r>
-            <a:r>
-              <a:rPr lang="pt-BR" b="1" dirty="0">
-                <a:solidFill>
-                  <a:srgbClr val="FFFF00"/>
-                </a:solidFill>
-              </a:rPr>
-              <a:t>Maia Artificial </a:t>
-            </a:r>
-            <a:r>
-              <a:rPr lang="pt-BR" b="1" dirty="0" err="1">
-                <a:solidFill>
-                  <a:srgbClr val="FFFF00"/>
-                </a:solidFill>
-              </a:rPr>
-              <a:t>Inteligence</a:t>
-            </a:r>
-            <a:r>
-              <a:rPr lang="pt-BR" b="1" dirty="0">
-                <a:solidFill>
-                  <a:srgbClr val="FFFF00"/>
-                </a:solidFill>
-              </a:rPr>
-              <a:t> </a:t>
-            </a:r>
-            <a:r>
-              <a:rPr lang="pt-BR" b="1" dirty="0" err="1">
-                <a:solidFill>
-                  <a:srgbClr val="FFFF00"/>
-                </a:solidFill>
-              </a:rPr>
-              <a:t>Autogenous</a:t>
-            </a:r>
-            <a:r>
-              <a:rPr lang="pt-BR" dirty="0">
-                <a:solidFill>
-                  <a:srgbClr val="FFFF00"/>
-                </a:solidFill>
-              </a:rPr>
-              <a:t>, ou Inteligência Artificial Auto Construída.</a:t>
+              <a:t>Inteligência Artificial Auto Construída.</a:t>
             </a:r>
           </a:p>
         </p:txBody>
@@ -7154,8 +7468,8 @@
         </p:blipFill>
         <p:spPr>
           <a:xfrm>
-            <a:off x="643127" y="1825625"/>
-            <a:ext cx="390145" cy="390145"/>
+            <a:off x="10273800" y="5096963"/>
+            <a:ext cx="1080000" cy="1080000"/>
           </a:xfrm>
           <a:prstGeom prst="rect">
             <a:avLst/>
@@ -7216,9 +7530,10 @@
           <a:lstStyle/>
           <a:p>
             <a:r>
-              <a:rPr lang="pt-BR" dirty="0"/>
-              <a:t>Qual o framework criado para o projeto?</a:t>
-            </a:r>
+              <a:rPr lang="pt-BR" dirty="0" err="1"/>
+              <a:t>MaiaScript</a:t>
+            </a:r>
+            <a:endParaRPr lang="pt-BR" dirty="0"/>
           </a:p>
         </p:txBody>
       </p:sp>
@@ -7241,102 +7556,80 @@
         <p:spPr/>
         <p:txBody>
           <a:bodyPr>
-            <a:normAutofit fontScale="92500" lnSpcReduction="10000"/>
+            <a:normAutofit fontScale="92500" lnSpcReduction="20000"/>
           </a:bodyPr>
           <a:lstStyle/>
           <a:p>
             <a:r>
-              <a:rPr lang="pt-BR" dirty="0" err="1"/>
-              <a:t>MaiaScript</a:t>
-            </a:r>
-            <a:endParaRPr lang="pt-BR" dirty="0"/>
+              <a:rPr lang="pt-BR" dirty="0">
+                <a:solidFill>
+                  <a:srgbClr val="FFFF00"/>
+                </a:solidFill>
+              </a:rPr>
+              <a:t>Linguagem de programação </a:t>
+            </a:r>
+            <a:r>
+              <a:rPr lang="pt-BR" b="1" dirty="0">
+                <a:solidFill>
+                  <a:srgbClr val="FFFF00"/>
+                </a:solidFill>
+              </a:rPr>
+              <a:t>objeto-orientada</a:t>
+            </a:r>
+            <a:r>
+              <a:rPr lang="pt-BR" dirty="0">
+                <a:solidFill>
+                  <a:srgbClr val="FFFF00"/>
+                </a:solidFill>
+              </a:rPr>
+              <a:t>, </a:t>
+            </a:r>
+            <a:r>
+              <a:rPr lang="pt-BR" b="1" dirty="0">
+                <a:solidFill>
+                  <a:srgbClr val="FFFF00"/>
+                </a:solidFill>
+              </a:rPr>
+              <a:t>multiplataforma</a:t>
+            </a:r>
+            <a:r>
+              <a:rPr lang="pt-BR" dirty="0">
+                <a:solidFill>
+                  <a:srgbClr val="FFFF00"/>
+                </a:solidFill>
+              </a:rPr>
+              <a:t> e de </a:t>
+            </a:r>
+            <a:r>
+              <a:rPr lang="pt-BR" b="1" dirty="0">
+                <a:solidFill>
+                  <a:srgbClr val="FFFF00"/>
+                </a:solidFill>
+              </a:rPr>
+              <a:t>alta performance</a:t>
+            </a:r>
+            <a:r>
+              <a:rPr lang="pt-BR" dirty="0">
+                <a:solidFill>
+                  <a:srgbClr val="FFFF00"/>
+                </a:solidFill>
+              </a:rPr>
+              <a:t>.</a:t>
+            </a:r>
+          </a:p>
+          <a:p>
+            <a:r>
+              <a:rPr lang="pt-BR" dirty="0">
+                <a:solidFill>
+                  <a:srgbClr val="FFFF00"/>
+                </a:solidFill>
+              </a:rPr>
+              <a:t>Principais bibliotecas:</a:t>
+            </a:r>
           </a:p>
           <a:p>
             <a:pPr lvl="1"/>
             <a:r>
-              <a:rPr lang="pt-BR" dirty="0" err="1">
-                <a:solidFill>
-                  <a:srgbClr val="FFFF00"/>
-                </a:solidFill>
-              </a:rPr>
-              <a:t>MaiaScript</a:t>
-            </a:r>
-            <a:r>
-              <a:rPr lang="pt-BR" dirty="0">
-                <a:solidFill>
-                  <a:srgbClr val="FFFF00"/>
-                </a:solidFill>
-              </a:rPr>
-              <a:t> é uma linguagem de programação </a:t>
-            </a:r>
-            <a:r>
-              <a:rPr lang="pt-BR" b="1" dirty="0">
-                <a:solidFill>
-                  <a:srgbClr val="FFFF00"/>
-                </a:solidFill>
-              </a:rPr>
-              <a:t>objeto-orientada</a:t>
-            </a:r>
-            <a:r>
-              <a:rPr lang="pt-BR" dirty="0">
-                <a:solidFill>
-                  <a:srgbClr val="FFFF00"/>
-                </a:solidFill>
-              </a:rPr>
-              <a:t>, </a:t>
-            </a:r>
-            <a:r>
-              <a:rPr lang="pt-BR" b="1" dirty="0">
-                <a:solidFill>
-                  <a:srgbClr val="FFFF00"/>
-                </a:solidFill>
-              </a:rPr>
-              <a:t>multiplataforma</a:t>
-            </a:r>
-            <a:r>
-              <a:rPr lang="pt-BR" dirty="0">
-                <a:solidFill>
-                  <a:srgbClr val="FFFF00"/>
-                </a:solidFill>
-              </a:rPr>
-              <a:t> e de </a:t>
-            </a:r>
-            <a:r>
-              <a:rPr lang="pt-BR" b="1" dirty="0">
-                <a:solidFill>
-                  <a:srgbClr val="FFFF00"/>
-                </a:solidFill>
-              </a:rPr>
-              <a:t>alta performance</a:t>
-            </a:r>
-            <a:r>
-              <a:rPr lang="pt-BR" dirty="0">
-                <a:solidFill>
-                  <a:srgbClr val="FFFF00"/>
-                </a:solidFill>
-              </a:rPr>
-              <a:t>. As principais bibliotecas </a:t>
-            </a:r>
-            <a:r>
-              <a:rPr lang="pt-BR" dirty="0" err="1">
-                <a:solidFill>
-                  <a:srgbClr val="FFFF00"/>
-                </a:solidFill>
-              </a:rPr>
-              <a:t>MaiaScript</a:t>
-            </a:r>
-            <a:r>
-              <a:rPr lang="pt-BR" dirty="0">
-                <a:solidFill>
-                  <a:srgbClr val="FFFF00"/>
-                </a:solidFill>
-              </a:rPr>
-              <a:t> são:</a:t>
-            </a:r>
-          </a:p>
-          <a:p>
-            <a:pPr lvl="2"/>
-            <a:r>
               <a:rPr lang="en-US" dirty="0">
                 <a:solidFill>
                   <a:srgbClr val="FFFF00"/>
@@ -7346,7 +7639,7 @@
             </a:r>
           </a:p>
           <a:p>
-            <a:pPr lvl="2"/>
+            <a:pPr lvl="1"/>
             <a:r>
               <a:rPr lang="en-US" dirty="0">
                 <a:solidFill>
@@ -7357,7 +7650,7 @@
             </a:r>
           </a:p>
           <a:p>
-            <a:pPr lvl="2"/>
+            <a:pPr lvl="1"/>
             <a:r>
               <a:rPr lang="en-US" dirty="0">
                 <a:solidFill>
@@ -7368,7 +7661,7 @@
             </a:r>
           </a:p>
           <a:p>
-            <a:pPr lvl="2"/>
+            <a:pPr lvl="1"/>
             <a:r>
               <a:rPr lang="en-US" dirty="0" err="1">
                 <a:solidFill>
@@ -7387,7 +7680,7 @@
             </a:r>
           </a:p>
           <a:p>
-            <a:pPr lvl="2"/>
+            <a:pPr lvl="1"/>
             <a:r>
               <a:rPr lang="en-US" dirty="0" err="1">
                 <a:solidFill>
@@ -7406,7 +7699,7 @@
             </a:r>
           </a:p>
           <a:p>
-            <a:pPr lvl="2"/>
+            <a:pPr lvl="1"/>
             <a:r>
               <a:rPr lang="en-US" dirty="0" err="1">
                 <a:solidFill>
@@ -7425,7 +7718,7 @@
             </a:r>
           </a:p>
           <a:p>
-            <a:pPr lvl="2"/>
+            <a:pPr lvl="1"/>
             <a:r>
               <a:rPr lang="en-US" dirty="0" err="1">
                 <a:solidFill>
@@ -7444,7 +7737,7 @@
             </a:r>
           </a:p>
           <a:p>
-            <a:pPr lvl="2"/>
+            <a:pPr lvl="1"/>
             <a:r>
               <a:rPr lang="en-US" dirty="0">
                 <a:solidFill>
@@ -7455,7 +7748,7 @@
             </a:r>
           </a:p>
           <a:p>
-            <a:pPr lvl="2"/>
+            <a:pPr lvl="1"/>
             <a:r>
               <a:rPr lang="en-US" dirty="0">
                 <a:solidFill>
@@ -7466,7 +7759,7 @@
             </a:r>
           </a:p>
           <a:p>
-            <a:pPr lvl="2"/>
+            <a:pPr lvl="1"/>
             <a:r>
               <a:rPr lang="en-US" dirty="0">
                 <a:solidFill>
@@ -7477,7 +7770,7 @@
             </a:r>
           </a:p>
           <a:p>
-            <a:pPr lvl="2"/>
+            <a:pPr lvl="1"/>
             <a:r>
               <a:rPr lang="en-US" dirty="0">
                 <a:solidFill>
@@ -7493,7 +7786,6 @@
             </a:endParaRPr>
           </a:p>
           <a:p>
-            <a:pPr lvl="1"/>
             <a:endParaRPr lang="pt-BR" dirty="0">
               <a:solidFill>
                 <a:srgbClr val="FFFF00"/>
@@ -7530,8 +7822,8 @@
         </p:blipFill>
         <p:spPr>
           <a:xfrm>
-            <a:off x="643127" y="1825625"/>
-            <a:ext cx="390145" cy="390145"/>
+            <a:off x="10273800" y="5096963"/>
+            <a:ext cx="1080000" cy="1080000"/>
           </a:xfrm>
           <a:prstGeom prst="rect">
             <a:avLst/>
@@ -7570,36 +7862,6 @@
       </p:grpSpPr>
       <p:sp>
         <p:nvSpPr>
-          <p:cNvPr id="2" name="Título 1">
-            <a:extLst>
-              <a:ext uri="{FF2B5EF4-FFF2-40B4-BE49-F238E27FC236}">
-                <a16:creationId xmlns:a16="http://schemas.microsoft.com/office/drawing/2014/main" id="{863421AB-9491-415B-80EA-38177B0393E6}"/>
-              </a:ext>
-            </a:extLst>
-          </p:cNvPr>
-          <p:cNvSpPr>
-            <a:spLocks noGrp="1"/>
-          </p:cNvSpPr>
-          <p:nvPr>
-            <p:ph type="title"/>
-          </p:nvPr>
-        </p:nvSpPr>
-        <p:spPr/>
-        <p:txBody>
-          <a:bodyPr>
-            <a:normAutofit fontScale="90000"/>
-          </a:bodyPr>
-          <a:lstStyle/>
-          <a:p>
-            <a:r>
-              <a:rPr lang="pt-BR" dirty="0"/>
-              <a:t>Qual o framework criado para o projeto?</a:t>
-            </a:r>
-          </a:p>
-        </p:txBody>
-      </p:sp>
-      <p:sp>
-        <p:nvSpPr>
           <p:cNvPr id="3" name="Espaço Reservado para Conteúdo 2">
             <a:extLst>
               <a:ext uri="{FF2B5EF4-FFF2-40B4-BE49-F238E27FC236}">
@@ -7622,10 +7884,45 @@
           <a:lstStyle/>
           <a:p>
             <a:r>
-              <a:rPr lang="pt-BR" dirty="0" err="1"/>
-              <a:t>MaiaStudio</a:t>
-            </a:r>
-            <a:endParaRPr lang="pt-BR" dirty="0"/>
+              <a:rPr lang="pt-BR" dirty="0">
+                <a:solidFill>
+                  <a:srgbClr val="FFFF00"/>
+                </a:solidFill>
+              </a:rPr>
+              <a:t>IDE (</a:t>
+            </a:r>
+            <a:r>
+              <a:rPr lang="pt-BR" b="1" dirty="0">
+                <a:solidFill>
+                  <a:srgbClr val="FFFF00"/>
+                </a:solidFill>
+              </a:rPr>
+              <a:t>Ambiente Integrado de Desenvolvimento</a:t>
+            </a:r>
+            <a:r>
+              <a:rPr lang="pt-BR" dirty="0">
+                <a:solidFill>
+                  <a:srgbClr val="FFFF00"/>
+                </a:solidFill>
+              </a:rPr>
+              <a:t>) desenvolvida para permitir a construção de programas em </a:t>
+            </a:r>
+            <a:r>
+              <a:rPr lang="pt-BR" dirty="0" err="1">
+                <a:solidFill>
+                  <a:srgbClr val="FFFF00"/>
+                </a:solidFill>
+              </a:rPr>
+              <a:t>MaiaScript</a:t>
+            </a:r>
+            <a:r>
+              <a:rPr lang="pt-BR" dirty="0">
+                <a:solidFill>
+                  <a:srgbClr val="FFFF00"/>
+                </a:solidFill>
+              </a:rPr>
+              <a:t> na web. O programa é composto por:</a:t>
+            </a:r>
           </a:p>
           <a:p>
             <a:pPr lvl="1"/>
@@ -7635,7 +7932,7 @@
                   <a:srgbClr val="FFFF00"/>
                 </a:solidFill>
               </a:rPr>
-              <a:t>MaiaStudio</a:t>
+              <a:t>MaiaEditor</a:t>
             </a:r>
             <a:r>
               <a:rPr lang="pt-BR" dirty="0">
@@ -7643,15 +7940,18 @@
                   <a:srgbClr val="FFFF00"/>
                 </a:solidFill>
               </a:rPr>
-              <a:t> é uma IDE (</a:t>
-            </a:r>
-            <a:r>
-              <a:rPr lang="pt-BR" b="1" dirty="0">
-                <a:solidFill>
-                  <a:srgbClr val="FFFF00"/>
-                </a:solidFill>
-              </a:rPr>
-              <a:t>Ambiente Integrado de Desenvolvimento</a:t>
+              <a:t>;</a:t>
+            </a:r>
+          </a:p>
+          <a:p>
+            <a:pPr lvl="1"/>
+            <a:r>
+              <a:rPr lang="pt-BR" dirty="0" err="1">
+                <a:solidFill>
+                  <a:srgbClr val="FFFF00"/>
+                </a:solidFill>
+              </a:rPr>
+              <a:t>MaiaConsole</a:t>
             </a:r>
             <a:r>
               <a:rPr lang="pt-BR" dirty="0">
@@ -7659,15 +7959,18 @@
                   <a:srgbClr val="FFFF00"/>
                 </a:solidFill>
               </a:rPr>
-              <a:t>) desenvolvida para permitir a construção de programas em </a:t>
-            </a:r>
+              <a:t>;</a:t>
+            </a:r>
+          </a:p>
+          <a:p>
+            <a:pPr lvl="1"/>
             <a:r>
               <a:rPr lang="pt-BR" dirty="0" err="1">
                 <a:solidFill>
                   <a:srgbClr val="FFFF00"/>
                 </a:solidFill>
               </a:rPr>
-              <a:t>MaiaScript</a:t>
+              <a:t>MaiaCompiler</a:t>
             </a:r>
             <a:r>
               <a:rPr lang="pt-BR" dirty="0">
@@ -7675,68 +7978,11 @@
                   <a:srgbClr val="FFFF00"/>
                 </a:solidFill>
               </a:rPr>
-              <a:t> na web. O programa é composto por:</a:t>
-            </a:r>
-          </a:p>
-          <a:p>
-            <a:pPr lvl="2"/>
-            <a:r>
-              <a:rPr lang="pt-BR" dirty="0" err="1">
-                <a:solidFill>
-                  <a:srgbClr val="FFFF00"/>
-                </a:solidFill>
-              </a:rPr>
-              <a:t>MaiaEditor</a:t>
-            </a:r>
-            <a:r>
-              <a:rPr lang="pt-BR" dirty="0">
-                <a:solidFill>
-                  <a:srgbClr val="FFFF00"/>
-                </a:solidFill>
-              </a:rPr>
-              <a:t>;</a:t>
-            </a:r>
-          </a:p>
-          <a:p>
-            <a:pPr lvl="2"/>
-            <a:r>
-              <a:rPr lang="pt-BR" dirty="0" err="1">
-                <a:solidFill>
-                  <a:srgbClr val="FFFF00"/>
-                </a:solidFill>
-              </a:rPr>
-              <a:t>MaiaConsole</a:t>
-            </a:r>
-            <a:r>
-              <a:rPr lang="pt-BR" dirty="0">
-                <a:solidFill>
-                  <a:srgbClr val="FFFF00"/>
-                </a:solidFill>
-              </a:rPr>
-              <a:t>;</a:t>
-            </a:r>
-          </a:p>
-          <a:p>
-            <a:pPr lvl="2"/>
-            <a:r>
-              <a:rPr lang="pt-BR" dirty="0" err="1">
-                <a:solidFill>
-                  <a:srgbClr val="FFFF00"/>
-                </a:solidFill>
-              </a:rPr>
-              <a:t>MaiaCompiler</a:t>
-            </a:r>
-            <a:r>
-              <a:rPr lang="pt-BR" dirty="0">
-                <a:solidFill>
-                  <a:srgbClr val="FFFF00"/>
-                </a:solidFill>
-              </a:rPr>
               <a:t> ;</a:t>
             </a:r>
           </a:p>
           <a:p>
-            <a:pPr lvl="2"/>
+            <a:pPr lvl="1"/>
             <a:r>
               <a:rPr lang="pt-BR" dirty="0" err="1">
                 <a:solidFill>
@@ -7808,14 +8054,45 @@
         </p:blipFill>
         <p:spPr>
           <a:xfrm>
-            <a:off x="643127" y="1825625"/>
-            <a:ext cx="390145" cy="390145"/>
+            <a:off x="10273800" y="5096963"/>
+            <a:ext cx="1080000" cy="1080000"/>
           </a:xfrm>
           <a:prstGeom prst="rect">
             <a:avLst/>
           </a:prstGeom>
         </p:spPr>
       </p:pic>
+      <p:sp>
+        <p:nvSpPr>
+          <p:cNvPr id="6" name="Título 5">
+            <a:extLst>
+              <a:ext uri="{FF2B5EF4-FFF2-40B4-BE49-F238E27FC236}">
+                <a16:creationId xmlns:a16="http://schemas.microsoft.com/office/drawing/2014/main" id="{687F11C0-F57C-47FE-8500-8F9D4DFF7E89}"/>
+              </a:ext>
+            </a:extLst>
+          </p:cNvPr>
+          <p:cNvSpPr>
+            <a:spLocks noGrp="1"/>
+          </p:cNvSpPr>
+          <p:nvPr>
+            <p:ph type="title"/>
+          </p:nvPr>
+        </p:nvSpPr>
+        <p:spPr/>
+        <p:txBody>
+          <a:bodyPr>
+            <a:normAutofit fontScale="90000"/>
+          </a:bodyPr>
+          <a:lstStyle/>
+          <a:p>
+            <a:r>
+              <a:rPr lang="pt-BR" dirty="0" err="1"/>
+              <a:t>MaiaStudio</a:t>
+            </a:r>
+            <a:endParaRPr lang="pt-BR" dirty="0"/>
+          </a:p>
+        </p:txBody>
+      </p:sp>
     </p:spTree>
     <p:extLst>
       <p:ext uri="{BB962C8B-B14F-4D97-AF65-F5344CB8AC3E}">
@@ -7870,9 +8147,10 @@
           <a:lstStyle/>
           <a:p>
             <a:r>
-              <a:rPr lang="pt-BR" dirty="0"/>
-              <a:t>Qual o framework criado para o projeto?</a:t>
-            </a:r>
+              <a:rPr lang="pt-BR" dirty="0" err="1"/>
+              <a:t>MaiaRecorder</a:t>
+            </a:r>
+            <a:endParaRPr lang="pt-BR" dirty="0"/>
           </a:p>
         </p:txBody>
       </p:sp>
@@ -7900,28 +8178,12 @@
           <a:lstStyle/>
           <a:p>
             <a:r>
-              <a:rPr lang="pt-BR" dirty="0" err="1"/>
-              <a:t>MaiaRecorder</a:t>
-            </a:r>
-            <a:endParaRPr lang="pt-BR" dirty="0"/>
-          </a:p>
-          <a:p>
-            <a:pPr lvl="1"/>
-            <a:r>
-              <a:rPr lang="pt-BR" dirty="0" err="1">
-                <a:solidFill>
-                  <a:srgbClr val="FFFF00"/>
-                </a:solidFill>
-              </a:rPr>
-              <a:t>MaiaRecorder</a:t>
-            </a:r>
-            <a:r>
               <a:rPr lang="pt-BR" dirty="0">
                 <a:solidFill>
                   <a:srgbClr val="FFFF00"/>
                 </a:solidFill>
               </a:rPr>
-              <a:t> é um </a:t>
+              <a:t>G</a:t>
             </a:r>
             <a:r>
               <a:rPr lang="pt-BR" b="1" dirty="0">
@@ -7929,7 +8191,7 @@
                   <a:srgbClr val="FFFF00"/>
                 </a:solidFill>
               </a:rPr>
-              <a:t>gravador de telas </a:t>
+              <a:t>ravador de telas </a:t>
             </a:r>
             <a:r>
               <a:rPr lang="pt-BR" dirty="0">
@@ -7953,7 +8215,21 @@
                   <a:srgbClr val="FFFF00"/>
                 </a:solidFill>
               </a:rPr>
-              <a:t>. Ele foi desenvolvido para ser o </a:t>
+              <a:t>. </a:t>
+            </a:r>
+          </a:p>
+          <a:p>
+            <a:r>
+              <a:rPr lang="pt-BR" dirty="0"/>
+              <a:t>D</a:t>
+            </a:r>
+            <a:r>
+              <a:rPr lang="pt-BR" dirty="0">
+                <a:solidFill>
+                  <a:srgbClr val="FFFF00"/>
+                </a:solidFill>
+              </a:rPr>
+              <a:t>esenvolvido para ser o </a:t>
             </a:r>
             <a:r>
               <a:rPr lang="pt-BR" b="1" dirty="0">
@@ -8027,8 +8303,8 @@
         </p:blipFill>
         <p:spPr>
           <a:xfrm>
-            <a:off x="643127" y="1825625"/>
-            <a:ext cx="390145" cy="390145"/>
+            <a:off x="10273800" y="5096963"/>
+            <a:ext cx="1080000" cy="1080000"/>
           </a:xfrm>
           <a:prstGeom prst="rect">
             <a:avLst/>
@@ -8092,9 +8368,10 @@
           <a:lstStyle/>
           <a:p>
             <a:r>
-              <a:rPr lang="pt-BR" dirty="0"/>
-              <a:t>Qual o framework criado para o projeto?</a:t>
-            </a:r>
+              <a:rPr lang="pt-BR" dirty="0" err="1"/>
+              <a:t>MaiaMeet</a:t>
+            </a:r>
+            <a:endParaRPr lang="pt-BR" dirty="0"/>
           </a:p>
         </p:txBody>
       </p:sp>
@@ -8122,28 +8399,12 @@
           <a:lstStyle/>
           <a:p>
             <a:r>
-              <a:rPr lang="pt-BR" dirty="0" err="1"/>
-              <a:t>MaiaMeet</a:t>
-            </a:r>
-            <a:endParaRPr lang="pt-BR" dirty="0"/>
-          </a:p>
-          <a:p>
-            <a:pPr lvl="1"/>
-            <a:r>
-              <a:rPr lang="pt-BR" dirty="0" err="1">
-                <a:solidFill>
-                  <a:srgbClr val="FFFF00"/>
-                </a:solidFill>
-              </a:rPr>
-              <a:t>MaiaMeet</a:t>
-            </a:r>
-            <a:r>
               <a:rPr lang="pt-BR" dirty="0">
                 <a:solidFill>
                   <a:srgbClr val="FFFF00"/>
                 </a:solidFill>
               </a:rPr>
-              <a:t> é um </a:t>
+              <a:t>G</a:t>
             </a:r>
             <a:r>
               <a:rPr lang="pt-BR" b="1" dirty="0">
@@ -8151,7 +8412,7 @@
                   <a:srgbClr val="FFFF00"/>
                 </a:solidFill>
               </a:rPr>
-              <a:t>gerenciador de videoconferências </a:t>
+              <a:t>erenciador de videoconferências </a:t>
             </a:r>
             <a:r>
               <a:rPr lang="pt-BR" dirty="0">
@@ -8159,7 +8420,21 @@
                   <a:srgbClr val="FFFF00"/>
                 </a:solidFill>
               </a:rPr>
-              <a:t>desenvolvido para a realização dos trabalhos a distância do grupo Maia. É baseado no </a:t>
+              <a:t>desenvolvido para a realização dos trabalhos a distância do grupo Maia.</a:t>
+            </a:r>
+          </a:p>
+          <a:p>
+            <a:r>
+              <a:rPr lang="pt-BR" dirty="0"/>
+              <a:t>B</a:t>
+            </a:r>
+            <a:r>
+              <a:rPr lang="pt-BR" dirty="0">
+                <a:solidFill>
+                  <a:srgbClr val="FFFF00"/>
+                </a:solidFill>
+              </a:rPr>
+              <a:t>aseado no </a:t>
             </a:r>
             <a:r>
               <a:rPr lang="pt-BR" dirty="0" err="1">
@@ -8317,8 +8592,8 @@
         </p:blipFill>
         <p:spPr>
           <a:xfrm>
-            <a:off x="643127" y="1825625"/>
-            <a:ext cx="390145" cy="390145"/>
+            <a:off x="10273800" y="5096963"/>
+            <a:ext cx="1080000" cy="1080000"/>
           </a:xfrm>
           <a:prstGeom prst="rect">
             <a:avLst/>
@@ -8382,9 +8657,10 @@
           <a:lstStyle/>
           <a:p>
             <a:r>
-              <a:rPr lang="pt-BR" dirty="0"/>
-              <a:t>Qual o framework criado para o projeto?</a:t>
-            </a:r>
+              <a:rPr lang="pt-BR" dirty="0" err="1"/>
+              <a:t>LearningBlockly</a:t>
+            </a:r>
+            <a:endParaRPr lang="pt-BR" dirty="0"/>
           </a:p>
         </p:txBody>
       </p:sp>
@@ -8412,20 +8688,38 @@
           <a:lstStyle/>
           <a:p>
             <a:r>
-              <a:rPr lang="pt-BR" dirty="0" err="1"/>
+              <a:rPr lang="pt-BR" dirty="0" err="1">
+                <a:solidFill>
+                  <a:srgbClr val="FFFF00"/>
+                </a:solidFill>
+              </a:rPr>
               <a:t>LearningBlockly</a:t>
             </a:r>
-            <a:endParaRPr lang="pt-BR" dirty="0"/>
-          </a:p>
-          <a:p>
-            <a:pPr lvl="1"/>
+            <a:r>
+              <a:rPr lang="pt-BR" dirty="0">
+                <a:solidFill>
+                  <a:srgbClr val="FFFF00"/>
+                </a:solidFill>
+              </a:rPr>
+              <a:t> é uma ambiente de aprendizagem de programação baseado em blocos.</a:t>
+            </a:r>
+          </a:p>
+          <a:p>
+            <a:r>
+              <a:rPr lang="pt-BR" dirty="0">
+                <a:solidFill>
+                  <a:srgbClr val="FFFF00"/>
+                </a:solidFill>
+              </a:rPr>
+              <a:t>Construído para ensinar a programar em </a:t>
+            </a:r>
             <a:r>
               <a:rPr lang="pt-BR" dirty="0" err="1">
                 <a:solidFill>
                   <a:srgbClr val="FFFF00"/>
                 </a:solidFill>
               </a:rPr>
-              <a:t>MaiaMeet</a:t>
+              <a:t>MaiaScript</a:t>
             </a:r>
             <a:r>
               <a:rPr lang="pt-BR" dirty="0">
@@ -8433,141 +8727,8 @@
                   <a:srgbClr val="FFFF00"/>
                 </a:solidFill>
               </a:rPr>
-              <a:t> é um </a:t>
-            </a:r>
-            <a:r>
-              <a:rPr lang="pt-BR" b="1" dirty="0">
-                <a:solidFill>
-                  <a:srgbClr val="FFFF00"/>
-                </a:solidFill>
-              </a:rPr>
-              <a:t>gerenciador de videoconferências </a:t>
-            </a:r>
-            <a:r>
-              <a:rPr lang="pt-BR" dirty="0">
-                <a:solidFill>
-                  <a:srgbClr val="FFFF00"/>
-                </a:solidFill>
-              </a:rPr>
-              <a:t>desenvolvido para a realização dos trabalhos a distância do grupo Maia. É baseado no </a:t>
-            </a:r>
-            <a:r>
-              <a:rPr lang="pt-BR" dirty="0" err="1">
-                <a:solidFill>
-                  <a:srgbClr val="FFFF00"/>
-                </a:solidFill>
-              </a:rPr>
-              <a:t>Jitsi</a:t>
-            </a:r>
-            <a:r>
-              <a:rPr lang="pt-BR" dirty="0">
-                <a:solidFill>
-                  <a:srgbClr val="FFFF00"/>
-                </a:solidFill>
-              </a:rPr>
-              <a:t> Meet e utiliza o </a:t>
-            </a:r>
-            <a:r>
-              <a:rPr lang="pt-BR" dirty="0" err="1">
-                <a:solidFill>
-                  <a:srgbClr val="FFFF00"/>
-                </a:solidFill>
-              </a:rPr>
-              <a:t>Jitsi</a:t>
-            </a:r>
-            <a:r>
-              <a:rPr lang="pt-BR" dirty="0">
-                <a:solidFill>
-                  <a:srgbClr val="FFFF00"/>
-                </a:solidFill>
-              </a:rPr>
-              <a:t> </a:t>
-            </a:r>
-            <a:r>
-              <a:rPr lang="pt-BR" dirty="0" err="1">
-                <a:solidFill>
-                  <a:srgbClr val="FFFF00"/>
-                </a:solidFill>
-              </a:rPr>
-              <a:t>Jitsi</a:t>
-            </a:r>
-            <a:r>
-              <a:rPr lang="pt-BR" dirty="0">
-                <a:solidFill>
-                  <a:srgbClr val="FFFF00"/>
-                </a:solidFill>
-              </a:rPr>
-              <a:t> </a:t>
-            </a:r>
-            <a:r>
-              <a:rPr lang="pt-BR" dirty="0" err="1">
-                <a:solidFill>
-                  <a:srgbClr val="FFFF00"/>
-                </a:solidFill>
-              </a:rPr>
-              <a:t>Videobridge</a:t>
-            </a:r>
-            <a:r>
-              <a:rPr lang="pt-BR" dirty="0">
-                <a:solidFill>
-                  <a:srgbClr val="FFFF00"/>
-                </a:solidFill>
-              </a:rPr>
-              <a:t>, um programa servidor compatível com </a:t>
-            </a:r>
-            <a:r>
-              <a:rPr lang="pt-BR" b="1" dirty="0" err="1">
-                <a:solidFill>
-                  <a:srgbClr val="FFFF00"/>
-                </a:solidFill>
-              </a:rPr>
-              <a:t>WebRTC</a:t>
-            </a:r>
-            <a:r>
-              <a:rPr lang="pt-BR" dirty="0">
-                <a:solidFill>
-                  <a:srgbClr val="FFFF00"/>
-                </a:solidFill>
-              </a:rPr>
-              <a:t> e o </a:t>
-            </a:r>
-            <a:r>
-              <a:rPr lang="pt-BR" dirty="0" err="1">
-                <a:solidFill>
-                  <a:srgbClr val="FFFF00"/>
-                </a:solidFill>
-              </a:rPr>
-              <a:t>MaiaRecorder</a:t>
-            </a:r>
-            <a:r>
-              <a:rPr lang="pt-BR" dirty="0">
-                <a:solidFill>
-                  <a:srgbClr val="FFFF00"/>
-                </a:solidFill>
-              </a:rPr>
-              <a:t> um gravador de telas implementado utilizando a tecnologia </a:t>
-            </a:r>
-            <a:r>
-              <a:rPr lang="en-US" b="1" dirty="0">
-                <a:solidFill>
-                  <a:srgbClr val="FFFF00"/>
-                </a:solidFill>
-              </a:rPr>
-              <a:t>Media Capture and Streams API</a:t>
-            </a:r>
-            <a:r>
-              <a:rPr lang="en-US" dirty="0">
-                <a:solidFill>
-                  <a:srgbClr val="FFFF00"/>
-                </a:solidFill>
-              </a:rPr>
               <a:t>.</a:t>
             </a:r>
-            <a:endParaRPr lang="pt-BR" dirty="0">
-              <a:solidFill>
-                <a:srgbClr val="FFFF00"/>
-              </a:solidFill>
-            </a:endParaRPr>
           </a:p>
           <a:p>
             <a:pPr lvl="1"/>
@@ -8607,8 +8768,8 @@
         </p:blipFill>
         <p:spPr>
           <a:xfrm>
-            <a:off x="665352" y="1898650"/>
-            <a:ext cx="390145" cy="387097"/>
+            <a:off x="10265296" y="5236069"/>
+            <a:ext cx="1088504" cy="1080000"/>
           </a:xfrm>
           <a:prstGeom prst="rect">
             <a:avLst/>
@@ -8670,47 +8831,17 @@
           <a:p>
             <a:r>
               <a:rPr lang="pt-BR" dirty="0"/>
-              <a:t>Qual a arquitetura adotada?</a:t>
-            </a:r>
-          </a:p>
-        </p:txBody>
-      </p:sp>
-      <p:sp>
-        <p:nvSpPr>
-          <p:cNvPr id="3" name="Espaço Reservado para Conteúdo 2">
-            <a:extLst>
-              <a:ext uri="{FF2B5EF4-FFF2-40B4-BE49-F238E27FC236}">
-                <a16:creationId xmlns:a16="http://schemas.microsoft.com/office/drawing/2014/main" id="{43D0B6F9-0106-4273-A7F3-A2193DB90ABC}"/>
-              </a:ext>
-            </a:extLst>
-          </p:cNvPr>
-          <p:cNvSpPr>
-            <a:spLocks noGrp="1"/>
-          </p:cNvSpPr>
-          <p:nvPr>
-            <p:ph idx="1"/>
-          </p:nvPr>
-        </p:nvSpPr>
-        <p:spPr/>
-        <p:txBody>
-          <a:bodyPr>
-            <a:normAutofit/>
-          </a:bodyPr>
-          <a:lstStyle/>
-          <a:p>
-            <a:r>
-              <a:rPr lang="pt-BR" dirty="0"/>
-              <a:t>M.A.I.A.</a:t>
+              <a:t>Arquitetura de M.A.I.A.</a:t>
             </a:r>
           </a:p>
         </p:txBody>
       </p:sp>
       <p:pic>
         <p:nvPicPr>
-          <p:cNvPr id="11" name="Imagem 10" descr="Ícone&#10;&#10;Descrição gerada automaticamente">
-            <a:extLst>
-              <a:ext uri="{FF2B5EF4-FFF2-40B4-BE49-F238E27FC236}">
-                <a16:creationId xmlns:a16="http://schemas.microsoft.com/office/drawing/2014/main" id="{D213E292-0E6E-400E-921A-49E893F455AE}"/>
+          <p:cNvPr id="19" name="Imagem 18" descr="Diagrama&#10;&#10;Descrição gerada automaticamente com confiança média">
+            <a:extLst>
+              <a:ext uri="{FF2B5EF4-FFF2-40B4-BE49-F238E27FC236}">
+                <a16:creationId xmlns:a16="http://schemas.microsoft.com/office/drawing/2014/main" id="{9D2ED1BA-92CB-4EF3-A9F2-C6A7722CC2FE}"/>
               </a:ext>
             </a:extLst>
           </p:cNvPr>
@@ -8733,8 +8864,8 @@
         </p:blipFill>
         <p:spPr>
           <a:xfrm>
-            <a:off x="643127" y="1825625"/>
-            <a:ext cx="390145" cy="390145"/>
+            <a:off x="4210368" y="1825625"/>
+            <a:ext cx="3771263" cy="4680000"/>
           </a:xfrm>
           <a:prstGeom prst="rect">
             <a:avLst/>
@@ -8743,10 +8874,10 @@
       </p:pic>
       <p:pic>
         <p:nvPicPr>
-          <p:cNvPr id="19" name="Imagem 18" descr="Diagrama&#10;&#10;Descrição gerada automaticamente com confiança média">
-            <a:extLst>
-              <a:ext uri="{FF2B5EF4-FFF2-40B4-BE49-F238E27FC236}">
-                <a16:creationId xmlns:a16="http://schemas.microsoft.com/office/drawing/2014/main" id="{9D2ED1BA-92CB-4EF3-A9F2-C6A7722CC2FE}"/>
+          <p:cNvPr id="6" name="Imagem 5" descr="Desenho de um círculo&#10;&#10;Descrição gerada automaticamente com confiança baixa">
+            <a:extLst>
+              <a:ext uri="{FF2B5EF4-FFF2-40B4-BE49-F238E27FC236}">
+                <a16:creationId xmlns:a16="http://schemas.microsoft.com/office/drawing/2014/main" id="{6A69D179-9AAB-4515-82C2-200D20701A8F}"/>
               </a:ext>
             </a:extLst>
           </p:cNvPr>
@@ -8769,14 +8900,292 @@
         </p:blipFill>
         <p:spPr>
           <a:xfrm>
-            <a:off x="4210368" y="1825625"/>
-            <a:ext cx="3771263" cy="4680000"/>
+            <a:off x="10273800" y="5096963"/>
+            <a:ext cx="1080000" cy="1080000"/>
           </a:xfrm>
           <a:prstGeom prst="rect">
             <a:avLst/>
           </a:prstGeom>
         </p:spPr>
       </p:pic>
+      <p:sp>
+        <p:nvSpPr>
+          <p:cNvPr id="8" name="CaixaDeTexto 7">
+            <a:extLst>
+              <a:ext uri="{FF2B5EF4-FFF2-40B4-BE49-F238E27FC236}">
+                <a16:creationId xmlns:a16="http://schemas.microsoft.com/office/drawing/2014/main" id="{BE12FE23-CD5A-4055-B788-758E8954D6B8}"/>
+              </a:ext>
+            </a:extLst>
+          </p:cNvPr>
+          <p:cNvSpPr txBox="1"/>
+          <p:nvPr/>
+        </p:nvSpPr>
+        <p:spPr>
+          <a:xfrm>
+            <a:off x="2760274" y="2035171"/>
+            <a:ext cx="1308143" cy="369332"/>
+          </a:xfrm>
+          <a:prstGeom prst="rect">
+            <a:avLst/>
+          </a:prstGeom>
+          <a:noFill/>
+        </p:spPr>
+        <p:txBody>
+          <a:bodyPr wrap="square">
+            <a:spAutoFit/>
+          </a:bodyPr>
+          <a:lstStyle/>
+          <a:p>
+            <a:pPr algn="r"/>
+            <a:r>
+              <a:rPr lang="pt-BR" b="1" dirty="0">
+                <a:solidFill>
+                  <a:srgbClr val="FFFF00"/>
+                </a:solidFill>
+              </a:rPr>
+              <a:t>Aplicações</a:t>
+            </a:r>
+          </a:p>
+        </p:txBody>
+      </p:sp>
+      <p:sp>
+        <p:nvSpPr>
+          <p:cNvPr id="12" name="CaixaDeTexto 11">
+            <a:extLst>
+              <a:ext uri="{FF2B5EF4-FFF2-40B4-BE49-F238E27FC236}">
+                <a16:creationId xmlns:a16="http://schemas.microsoft.com/office/drawing/2014/main" id="{0DB111F2-ED5F-4F88-9787-130D55E76EE0}"/>
+              </a:ext>
+            </a:extLst>
+          </p:cNvPr>
+          <p:cNvSpPr txBox="1"/>
+          <p:nvPr/>
+        </p:nvSpPr>
+        <p:spPr>
+          <a:xfrm>
+            <a:off x="8123582" y="2701153"/>
+            <a:ext cx="1308143" cy="369332"/>
+          </a:xfrm>
+          <a:prstGeom prst="rect">
+            <a:avLst/>
+          </a:prstGeom>
+          <a:noFill/>
+        </p:spPr>
+        <p:txBody>
+          <a:bodyPr wrap="square">
+            <a:spAutoFit/>
+          </a:bodyPr>
+          <a:lstStyle/>
+          <a:p>
+            <a:r>
+              <a:rPr lang="pt-BR" b="1" dirty="0">
+                <a:solidFill>
+                  <a:srgbClr val="FFFF00"/>
+                </a:solidFill>
+              </a:rPr>
+              <a:t>Linguagem</a:t>
+            </a:r>
+          </a:p>
+        </p:txBody>
+      </p:sp>
+      <p:sp>
+        <p:nvSpPr>
+          <p:cNvPr id="14" name="CaixaDeTexto 13">
+            <a:extLst>
+              <a:ext uri="{FF2B5EF4-FFF2-40B4-BE49-F238E27FC236}">
+                <a16:creationId xmlns:a16="http://schemas.microsoft.com/office/drawing/2014/main" id="{C780DA71-57A3-4647-9E9E-18B3EB68CAF2}"/>
+              </a:ext>
+            </a:extLst>
+          </p:cNvPr>
+          <p:cNvSpPr txBox="1"/>
+          <p:nvPr/>
+        </p:nvSpPr>
+        <p:spPr>
+          <a:xfrm>
+            <a:off x="8123582" y="3404066"/>
+            <a:ext cx="2438401" cy="369332"/>
+          </a:xfrm>
+          <a:prstGeom prst="rect">
+            <a:avLst/>
+          </a:prstGeom>
+          <a:noFill/>
+        </p:spPr>
+        <p:txBody>
+          <a:bodyPr wrap="square">
+            <a:spAutoFit/>
+          </a:bodyPr>
+          <a:lstStyle/>
+          <a:p>
+            <a:r>
+              <a:rPr lang="pt-BR" b="1" dirty="0">
+                <a:solidFill>
+                  <a:srgbClr val="FFFF00"/>
+                </a:solidFill>
+              </a:rPr>
+              <a:t>Servidor de aplicações</a:t>
+            </a:r>
+          </a:p>
+        </p:txBody>
+      </p:sp>
+      <p:sp>
+        <p:nvSpPr>
+          <p:cNvPr id="15" name="CaixaDeTexto 14">
+            <a:extLst>
+              <a:ext uri="{FF2B5EF4-FFF2-40B4-BE49-F238E27FC236}">
+                <a16:creationId xmlns:a16="http://schemas.microsoft.com/office/drawing/2014/main" id="{1CF1DA53-A657-42D6-A980-B5B74310A2CB}"/>
+              </a:ext>
+            </a:extLst>
+          </p:cNvPr>
+          <p:cNvSpPr txBox="1"/>
+          <p:nvPr/>
+        </p:nvSpPr>
+        <p:spPr>
+          <a:xfrm>
+            <a:off x="2292626" y="4080951"/>
+            <a:ext cx="1775791" cy="369332"/>
+          </a:xfrm>
+          <a:prstGeom prst="rect">
+            <a:avLst/>
+          </a:prstGeom>
+          <a:noFill/>
+        </p:spPr>
+        <p:txBody>
+          <a:bodyPr wrap="square">
+            <a:spAutoFit/>
+          </a:bodyPr>
+          <a:lstStyle/>
+          <a:p>
+            <a:pPr algn="r"/>
+            <a:r>
+              <a:rPr lang="pt-BR" b="1" dirty="0">
+                <a:solidFill>
+                  <a:srgbClr val="FFFF00"/>
+                </a:solidFill>
+              </a:rPr>
+              <a:t>Máquina Virtual</a:t>
+            </a:r>
+          </a:p>
+        </p:txBody>
+      </p:sp>
+      <p:sp>
+        <p:nvSpPr>
+          <p:cNvPr id="16" name="CaixaDeTexto 15">
+            <a:extLst>
+              <a:ext uri="{FF2B5EF4-FFF2-40B4-BE49-F238E27FC236}">
+                <a16:creationId xmlns:a16="http://schemas.microsoft.com/office/drawing/2014/main" id="{1FE4BB88-E933-4FC2-AA57-5A9F0114D07C}"/>
+              </a:ext>
+            </a:extLst>
+          </p:cNvPr>
+          <p:cNvSpPr txBox="1"/>
+          <p:nvPr/>
+        </p:nvSpPr>
+        <p:spPr>
+          <a:xfrm>
+            <a:off x="1643270" y="4674253"/>
+            <a:ext cx="2464903" cy="369332"/>
+          </a:xfrm>
+          <a:prstGeom prst="rect">
+            <a:avLst/>
+          </a:prstGeom>
+          <a:noFill/>
+        </p:spPr>
+        <p:txBody>
+          <a:bodyPr wrap="square">
+            <a:spAutoFit/>
+          </a:bodyPr>
+          <a:lstStyle/>
+          <a:p>
+            <a:pPr algn="r"/>
+            <a:r>
+              <a:rPr lang="pt-BR" b="1" dirty="0">
+                <a:solidFill>
+                  <a:srgbClr val="FFFF00"/>
+                </a:solidFill>
+              </a:rPr>
+              <a:t>Abstração de hardware</a:t>
+            </a:r>
+          </a:p>
+        </p:txBody>
+      </p:sp>
+      <p:sp>
+        <p:nvSpPr>
+          <p:cNvPr id="17" name="CaixaDeTexto 16">
+            <a:extLst>
+              <a:ext uri="{FF2B5EF4-FFF2-40B4-BE49-F238E27FC236}">
+                <a16:creationId xmlns:a16="http://schemas.microsoft.com/office/drawing/2014/main" id="{BCC02ACC-712D-4C70-A42C-F333E5057A73}"/>
+              </a:ext>
+            </a:extLst>
+          </p:cNvPr>
+          <p:cNvSpPr txBox="1"/>
+          <p:nvPr/>
+        </p:nvSpPr>
+        <p:spPr>
+          <a:xfrm>
+            <a:off x="1630016" y="5339176"/>
+            <a:ext cx="2438401" cy="369332"/>
+          </a:xfrm>
+          <a:prstGeom prst="rect">
+            <a:avLst/>
+          </a:prstGeom>
+          <a:noFill/>
+        </p:spPr>
+        <p:txBody>
+          <a:bodyPr wrap="square">
+            <a:spAutoFit/>
+          </a:bodyPr>
+          <a:lstStyle/>
+          <a:p>
+            <a:pPr algn="r"/>
+            <a:r>
+              <a:rPr lang="pt-BR" b="1" dirty="0">
+                <a:solidFill>
+                  <a:srgbClr val="FFFF00"/>
+                </a:solidFill>
+              </a:rPr>
+              <a:t>Sistemas operacionais</a:t>
+            </a:r>
+          </a:p>
+        </p:txBody>
+      </p:sp>
+      <p:sp>
+        <p:nvSpPr>
+          <p:cNvPr id="18" name="CaixaDeTexto 17">
+            <a:extLst>
+              <a:ext uri="{FF2B5EF4-FFF2-40B4-BE49-F238E27FC236}">
+                <a16:creationId xmlns:a16="http://schemas.microsoft.com/office/drawing/2014/main" id="{71E7DD14-0D93-45BA-94FB-137BE5B910C1}"/>
+              </a:ext>
+            </a:extLst>
+          </p:cNvPr>
+          <p:cNvSpPr txBox="1"/>
+          <p:nvPr/>
+        </p:nvSpPr>
+        <p:spPr>
+          <a:xfrm>
+            <a:off x="838198" y="5992297"/>
+            <a:ext cx="3230219" cy="369332"/>
+          </a:xfrm>
+          <a:prstGeom prst="rect">
+            <a:avLst/>
+          </a:prstGeom>
+          <a:noFill/>
+        </p:spPr>
+        <p:txBody>
+          <a:bodyPr wrap="square">
+            <a:spAutoFit/>
+          </a:bodyPr>
+          <a:lstStyle/>
+          <a:p>
+            <a:pPr algn="r"/>
+            <a:r>
+              <a:rPr lang="pt-BR" b="1" dirty="0">
+                <a:solidFill>
+                  <a:srgbClr val="FFFF00"/>
+                </a:solidFill>
+              </a:rPr>
+              <a:t>Independência de hardware</a:t>
+            </a:r>
+          </a:p>
+        </p:txBody>
+      </p:sp>
     </p:spTree>
     <p:extLst>
       <p:ext uri="{BB962C8B-B14F-4D97-AF65-F5344CB8AC3E}">

--- a/slides/Projeto Maia.pptx
+++ b/slides/Projeto Maia.pptx
@@ -224,7 +224,7 @@
           <a:p>
             <a:fld id="{78B036FD-DD80-4C0E-B286-491F680EC495}" type="datetimeFigureOut">
               <a:rPr lang="pt-BR" smtClean="0"/>
-              <a:t>10/03/2021</a:t>
+              <a:t>11/03/2021</a:t>
             </a:fld>
             <a:endParaRPr lang="pt-BR"/>
           </a:p>
@@ -547,7 +547,7 @@
           <a:p>
             <a:fld id="{670D7753-6CB8-4223-A37D-598CD35A52CA}" type="datetime1">
               <a:rPr lang="pt-BR" smtClean="0"/>
-              <a:t>10/03/2021</a:t>
+              <a:t>11/03/2021</a:t>
             </a:fld>
             <a:endParaRPr lang="pt-BR" dirty="0"/>
           </a:p>
@@ -929,7 +929,7 @@
           <a:p>
             <a:fld id="{5E1AB509-592E-4A5A-9A39-18AE17119B2E}" type="datetime1">
               <a:rPr lang="pt-BR" smtClean="0"/>
-              <a:t>10/03/2021</a:t>
+              <a:t>11/03/2021</a:t>
             </a:fld>
             <a:endParaRPr lang="pt-BR"/>
           </a:p>
@@ -1140,7 +1140,7 @@
           <a:p>
             <a:fld id="{2DF489CD-BAD7-4C18-9F76-8019618EAB25}" type="datetime1">
               <a:rPr lang="pt-BR" smtClean="0"/>
-              <a:t>10/03/2021</a:t>
+              <a:t>11/03/2021</a:t>
             </a:fld>
             <a:endParaRPr lang="pt-BR"/>
           </a:p>
@@ -1341,7 +1341,7 @@
           <a:p>
             <a:fld id="{29B24D34-DC58-4A66-92F3-95F86FBFC677}" type="datetime1">
               <a:rPr lang="pt-BR" smtClean="0"/>
-              <a:t>10/03/2021</a:t>
+              <a:t>11/03/2021</a:t>
             </a:fld>
             <a:endParaRPr lang="pt-BR"/>
           </a:p>
@@ -1619,7 +1619,7 @@
           <a:p>
             <a:fld id="{52107E02-5831-4FC4-A569-B0E43387A99E}" type="datetime1">
               <a:rPr lang="pt-BR" smtClean="0"/>
-              <a:t>10/03/2021</a:t>
+              <a:t>11/03/2021</a:t>
             </a:fld>
             <a:endParaRPr lang="pt-BR"/>
           </a:p>
@@ -1887,7 +1887,7 @@
           <a:p>
             <a:fld id="{775FBFD7-0A83-49E8-ABE8-C80BFF85781A}" type="datetime1">
               <a:rPr lang="pt-BR" smtClean="0"/>
-              <a:t>10/03/2021</a:t>
+              <a:t>11/03/2021</a:t>
             </a:fld>
             <a:endParaRPr lang="pt-BR"/>
           </a:p>
@@ -2302,7 +2302,7 @@
           <a:p>
             <a:fld id="{AC36CCA6-32A0-4474-B102-B0F513077480}" type="datetime1">
               <a:rPr lang="pt-BR" smtClean="0"/>
-              <a:t>10/03/2021</a:t>
+              <a:t>11/03/2021</a:t>
             </a:fld>
             <a:endParaRPr lang="pt-BR"/>
           </a:p>
@@ -2446,7 +2446,7 @@
           <a:p>
             <a:fld id="{E78835EE-1890-4187-8886-CDAB15E86B28}" type="datetime1">
               <a:rPr lang="pt-BR" smtClean="0"/>
-              <a:t>10/03/2021</a:t>
+              <a:t>11/03/2021</a:t>
             </a:fld>
             <a:endParaRPr lang="pt-BR"/>
           </a:p>
@@ -2562,7 +2562,7 @@
           <a:p>
             <a:fld id="{6D132995-F2B7-4E2E-B944-01284F8104C6}" type="datetime1">
               <a:rPr lang="pt-BR" smtClean="0"/>
-              <a:t>10/03/2021</a:t>
+              <a:t>11/03/2021</a:t>
             </a:fld>
             <a:endParaRPr lang="pt-BR"/>
           </a:p>
@@ -2876,7 +2876,7 @@
           <a:p>
             <a:fld id="{794B7D33-C6E5-4B86-9A6C-766347BFABC0}" type="datetime1">
               <a:rPr lang="pt-BR" smtClean="0"/>
-              <a:t>10/03/2021</a:t>
+              <a:t>11/03/2021</a:t>
             </a:fld>
             <a:endParaRPr lang="pt-BR"/>
           </a:p>
@@ -3167,7 +3167,7 @@
           <a:p>
             <a:fld id="{A384D558-6889-4BD1-98C2-477D9297B537}" type="datetime1">
               <a:rPr lang="pt-BR" smtClean="0"/>
-              <a:t>10/03/2021</a:t>
+              <a:t>11/03/2021</a:t>
             </a:fld>
             <a:endParaRPr lang="pt-BR"/>
           </a:p>
@@ -3411,7 +3411,7 @@
           <a:p>
             <a:fld id="{9BFAC90B-B8AB-44B9-93DD-7E82C9A32DF4}" type="datetime1">
               <a:rPr lang="pt-BR" smtClean="0"/>
-              <a:t>10/03/2021</a:t>
+              <a:t>11/03/2021</a:t>
             </a:fld>
             <a:endParaRPr lang="pt-BR"/>
           </a:p>
@@ -6072,12 +6072,57 @@
           </a:extLst>
         </p:spPr>
       </p:pic>
+      <p:sp>
+        <p:nvSpPr>
+          <p:cNvPr id="97" name="CaixaDeTexto 96">
+            <a:extLst>
+              <a:ext uri="{FF2B5EF4-FFF2-40B4-BE49-F238E27FC236}">
+                <a16:creationId xmlns:a16="http://schemas.microsoft.com/office/drawing/2014/main" id="{9EDC0640-F20A-4CC5-B6D4-0C20EDA07300}"/>
+              </a:ext>
+            </a:extLst>
+          </p:cNvPr>
+          <p:cNvSpPr txBox="1"/>
+          <p:nvPr/>
+        </p:nvSpPr>
+        <p:spPr>
+          <a:xfrm>
+            <a:off x="4812984" y="6235968"/>
+            <a:ext cx="1220207" cy="276999"/>
+          </a:xfrm>
+          <a:prstGeom prst="rect">
+            <a:avLst/>
+          </a:prstGeom>
+          <a:noFill/>
+        </p:spPr>
+        <p:txBody>
+          <a:bodyPr wrap="none" rtlCol="0">
+            <a:spAutoFit/>
+          </a:bodyPr>
+          <a:lstStyle/>
+          <a:p>
+            <a:pPr algn="r"/>
+            <a:r>
+              <a:rPr lang="pt-BR" sz="1200" b="1" dirty="0" err="1">
+                <a:solidFill>
+                  <a:srgbClr val="FFFF00"/>
+                </a:solidFill>
+              </a:rPr>
+              <a:t>LearningBLockly</a:t>
+            </a:r>
+            <a:endParaRPr lang="pt-BR" sz="1200" b="1" dirty="0">
+              <a:solidFill>
+                <a:srgbClr val="FFFF00"/>
+              </a:solidFill>
+            </a:endParaRPr>
+          </a:p>
+        </p:txBody>
+      </p:sp>
       <p:pic>
         <p:nvPicPr>
-          <p:cNvPr id="25" name="Imagem 24" descr="Ícone&#10;&#10;Descrição gerada automaticamente">
-            <a:extLst>
-              <a:ext uri="{FF2B5EF4-FFF2-40B4-BE49-F238E27FC236}">
-                <a16:creationId xmlns:a16="http://schemas.microsoft.com/office/drawing/2014/main" id="{BBB7A309-B877-42C5-8475-027CB53990AD}"/>
+          <p:cNvPr id="4" name="Imagem 3">
+            <a:extLst>
+              <a:ext uri="{FF2B5EF4-FFF2-40B4-BE49-F238E27FC236}">
+                <a16:creationId xmlns:a16="http://schemas.microsoft.com/office/drawing/2014/main" id="{66B6BED5-A0DE-40DC-9836-8E253F8EC3BD}"/>
               </a:ext>
             </a:extLst>
           </p:cNvPr>
@@ -6100,59 +6145,14 @@
         </p:blipFill>
         <p:spPr>
           <a:xfrm>
-            <a:off x="5286502" y="5856090"/>
-            <a:ext cx="390145" cy="387097"/>
+            <a:off x="5248569" y="5845823"/>
+            <a:ext cx="390145" cy="390145"/>
           </a:xfrm>
           <a:prstGeom prst="rect">
             <a:avLst/>
           </a:prstGeom>
         </p:spPr>
       </p:pic>
-      <p:sp>
-        <p:nvSpPr>
-          <p:cNvPr id="97" name="CaixaDeTexto 96">
-            <a:extLst>
-              <a:ext uri="{FF2B5EF4-FFF2-40B4-BE49-F238E27FC236}">
-                <a16:creationId xmlns:a16="http://schemas.microsoft.com/office/drawing/2014/main" id="{9EDC0640-F20A-4CC5-B6D4-0C20EDA07300}"/>
-              </a:ext>
-            </a:extLst>
-          </p:cNvPr>
-          <p:cNvSpPr txBox="1"/>
-          <p:nvPr/>
-        </p:nvSpPr>
-        <p:spPr>
-          <a:xfrm>
-            <a:off x="4812984" y="6235968"/>
-            <a:ext cx="1220207" cy="276999"/>
-          </a:xfrm>
-          <a:prstGeom prst="rect">
-            <a:avLst/>
-          </a:prstGeom>
-          <a:noFill/>
-        </p:spPr>
-        <p:txBody>
-          <a:bodyPr wrap="none" rtlCol="0">
-            <a:spAutoFit/>
-          </a:bodyPr>
-          <a:lstStyle/>
-          <a:p>
-            <a:pPr algn="r"/>
-            <a:r>
-              <a:rPr lang="pt-BR" sz="1200" b="1" dirty="0" err="1">
-                <a:solidFill>
-                  <a:srgbClr val="FFFF00"/>
-                </a:solidFill>
-              </a:rPr>
-              <a:t>LearningBLockly</a:t>
-            </a:r>
-            <a:endParaRPr lang="pt-BR" sz="1200" b="1" dirty="0">
-              <a:solidFill>
-                <a:srgbClr val="FFFF00"/>
-              </a:solidFill>
-            </a:endParaRPr>
-          </a:p>
-        </p:txBody>
-      </p:sp>
     </p:spTree>
     <p:extLst>
       <p:ext uri="{BB962C8B-B14F-4D97-AF65-F5344CB8AC3E}">
@@ -7312,65 +7312,6 @@
       </p:grpSpPr>
       <p:sp>
         <p:nvSpPr>
-          <p:cNvPr id="2" name="Título 1">
-            <a:extLst>
-              <a:ext uri="{FF2B5EF4-FFF2-40B4-BE49-F238E27FC236}">
-                <a16:creationId xmlns:a16="http://schemas.microsoft.com/office/drawing/2014/main" id="{863421AB-9491-415B-80EA-38177B0393E6}"/>
-              </a:ext>
-            </a:extLst>
-          </p:cNvPr>
-          <p:cNvSpPr>
-            <a:spLocks noGrp="1"/>
-          </p:cNvSpPr>
-          <p:nvPr>
-            <p:ph type="title"/>
-          </p:nvPr>
-        </p:nvSpPr>
-        <p:spPr/>
-        <p:txBody>
-          <a:bodyPr>
-            <a:noAutofit/>
-          </a:bodyPr>
-          <a:lstStyle/>
-          <a:p>
-            <a:r>
-              <a:rPr lang="pt-BR" sz="5400" b="1" dirty="0">
-                <a:solidFill>
-                  <a:srgbClr val="FFFF00"/>
-                </a:solidFill>
-              </a:rPr>
-              <a:t>Maia Artificial </a:t>
-            </a:r>
-            <a:r>
-              <a:rPr lang="pt-BR" sz="5400" b="1" dirty="0" err="1">
-                <a:solidFill>
-                  <a:srgbClr val="FFFF00"/>
-                </a:solidFill>
-              </a:rPr>
-              <a:t>Inteligence</a:t>
-            </a:r>
-            <a:r>
-              <a:rPr lang="pt-BR" sz="5400" b="1" dirty="0">
-                <a:solidFill>
-                  <a:srgbClr val="FFFF00"/>
-                </a:solidFill>
-              </a:rPr>
-              <a:t> </a:t>
-            </a:r>
-            <a:r>
-              <a:rPr lang="pt-BR" sz="5400" b="1" dirty="0" err="1">
-                <a:solidFill>
-                  <a:srgbClr val="FFFF00"/>
-                </a:solidFill>
-              </a:rPr>
-              <a:t>Autogenous</a:t>
-            </a:r>
-            <a:endParaRPr lang="pt-BR" sz="5400" dirty="0"/>
-          </a:p>
-        </p:txBody>
-      </p:sp>
-      <p:sp>
-        <p:nvSpPr>
           <p:cNvPr id="3" name="Espaço Reservado para Conteúdo 2">
             <a:extLst>
               <a:ext uri="{FF2B5EF4-FFF2-40B4-BE49-F238E27FC236}">
@@ -7393,49 +7334,33 @@
         </p:spPr>
         <p:txBody>
           <a:bodyPr>
-            <a:normAutofit lnSpcReduction="10000"/>
+            <a:normAutofit/>
           </a:bodyPr>
           <a:lstStyle/>
           <a:p>
-            <a:pPr marL="0" indent="0" algn="ctr">
-              <a:buNone/>
-            </a:pPr>
-            <a:r>
-              <a:rPr lang="pt-BR" sz="19900" dirty="0"/>
-              <a:t>M.A.I.A.</a:t>
-            </a:r>
-          </a:p>
-          <a:p>
-            <a:pPr marL="0" indent="0" algn="ctr">
-              <a:buNone/>
-            </a:pPr>
-            <a:endParaRPr lang="pt-BR" dirty="0">
-              <a:solidFill>
-                <a:srgbClr val="FFFF00"/>
-              </a:solidFill>
-            </a:endParaRPr>
-          </a:p>
-          <a:p>
-            <a:pPr marL="0" indent="0" algn="ctr">
-              <a:buNone/>
-            </a:pPr>
-            <a:endParaRPr lang="pt-BR" dirty="0">
-              <a:solidFill>
-                <a:srgbClr val="FFFF00"/>
-              </a:solidFill>
-            </a:endParaRPr>
-          </a:p>
-          <a:p>
-            <a:pPr marL="0" indent="0" algn="ctr">
-              <a:buNone/>
-            </a:pPr>
             <a:r>
               <a:rPr lang="pt-BR" dirty="0">
                 <a:solidFill>
                   <a:srgbClr val="FFFF00"/>
                 </a:solidFill>
               </a:rPr>
-              <a:t>Inteligência Artificial Auto Construída.</a:t>
+              <a:t>Inteligência Artificial </a:t>
+            </a:r>
+            <a:r>
+              <a:rPr lang="pt-BR" b="1" dirty="0">
+                <a:solidFill>
+                  <a:srgbClr val="FFFF00"/>
+                </a:solidFill>
+              </a:rPr>
+              <a:t>Autoconstruída</a:t>
+            </a:r>
+            <a:r>
+              <a:rPr lang="pt-BR" dirty="0">
+                <a:solidFill>
+                  <a:srgbClr val="FFFF00"/>
+                </a:solidFill>
+              </a:rPr>
+              <a:t>.</a:t>
             </a:r>
           </a:p>
         </p:txBody>
@@ -7476,6 +7401,223 @@
           </a:prstGeom>
         </p:spPr>
       </p:pic>
+      <p:sp>
+        <p:nvSpPr>
+          <p:cNvPr id="7" name="Título 1">
+            <a:extLst>
+              <a:ext uri="{FF2B5EF4-FFF2-40B4-BE49-F238E27FC236}">
+                <a16:creationId xmlns:a16="http://schemas.microsoft.com/office/drawing/2014/main" id="{2301EA18-370C-4AA7-A197-56DD5285BD9B}"/>
+              </a:ext>
+            </a:extLst>
+          </p:cNvPr>
+          <p:cNvSpPr txBox="1">
+            <a:spLocks/>
+          </p:cNvSpPr>
+          <p:nvPr/>
+        </p:nvSpPr>
+        <p:spPr>
+          <a:xfrm>
+            <a:off x="990600" y="1234331"/>
+            <a:ext cx="10515600" cy="608757"/>
+          </a:xfrm>
+          <a:prstGeom prst="rect">
+            <a:avLst/>
+          </a:prstGeom>
+        </p:spPr>
+        <p:txBody>
+          <a:bodyPr vert="horz" lIns="91440" tIns="45720" rIns="91440" bIns="45720" rtlCol="0" anchor="ctr">
+            <a:normAutofit fontScale="90000" lnSpcReduction="10000"/>
+          </a:bodyPr>
+          <a:lstStyle>
+            <a:lvl1pPr algn="l" defTabSz="914400" rtl="0" eaLnBrk="1" latinLnBrk="0" hangingPunct="1">
+              <a:lnSpc>
+                <a:spcPct val="90000"/>
+              </a:lnSpc>
+              <a:spcBef>
+                <a:spcPct val="0"/>
+              </a:spcBef>
+              <a:buNone/>
+              <a:defRPr sz="4400" kern="1200">
+                <a:solidFill>
+                  <a:srgbClr val="FFFF00"/>
+                </a:solidFill>
+                <a:latin typeface="+mj-lt"/>
+                <a:ea typeface="+mj-ea"/>
+                <a:cs typeface="+mj-cs"/>
+              </a:defRPr>
+            </a:lvl1pPr>
+          </a:lstStyle>
+          <a:p>
+            <a:r>
+              <a:rPr lang="pt-BR" sz="4400" dirty="0">
+                <a:solidFill>
+                  <a:srgbClr val="FFFF00"/>
+                </a:solidFill>
+              </a:rPr>
+              <a:t>Maia Artificial </a:t>
+            </a:r>
+            <a:r>
+              <a:rPr lang="pt-BR" sz="4400" dirty="0" err="1">
+                <a:solidFill>
+                  <a:srgbClr val="FFFF00"/>
+                </a:solidFill>
+              </a:rPr>
+              <a:t>Inteligence</a:t>
+            </a:r>
+            <a:r>
+              <a:rPr lang="pt-BR" sz="4400" dirty="0">
+                <a:solidFill>
+                  <a:srgbClr val="FFFF00"/>
+                </a:solidFill>
+              </a:rPr>
+              <a:t> </a:t>
+            </a:r>
+            <a:r>
+              <a:rPr lang="pt-BR" sz="4400" dirty="0" err="1">
+                <a:solidFill>
+                  <a:srgbClr val="FFFF00"/>
+                </a:solidFill>
+              </a:rPr>
+              <a:t>Autogenous</a:t>
+            </a:r>
+            <a:endParaRPr lang="pt-BR" dirty="0"/>
+          </a:p>
+        </p:txBody>
+      </p:sp>
+      <p:pic>
+        <p:nvPicPr>
+          <p:cNvPr id="12" name="Imagem 11" descr="Uma imagem contendo roxo&#10;&#10;Descrição gerada automaticamente">
+            <a:extLst>
+              <a:ext uri="{FF2B5EF4-FFF2-40B4-BE49-F238E27FC236}">
+                <a16:creationId xmlns:a16="http://schemas.microsoft.com/office/drawing/2014/main" id="{3F6BC10A-92AF-4939-9205-F4D04F5B5AE7}"/>
+              </a:ext>
+            </a:extLst>
+          </p:cNvPr>
+          <p:cNvPicPr>
+            <a:picLocks noChangeAspect="1" noChangeArrowheads="1"/>
+          </p:cNvPicPr>
+          <p:nvPr/>
+        </p:nvPicPr>
+        <p:blipFill>
+          <a:blip r:embed="rId3">
+            <a:clrChange>
+              <a:clrFrom>
+                <a:srgbClr val="FFFFFF"/>
+              </a:clrFrom>
+              <a:clrTo>
+                <a:srgbClr val="FFFFFF">
+                  <a:alpha val="0"/>
+                </a:srgbClr>
+              </a:clrTo>
+            </a:clrChange>
+            <a:extLst>
+              <a:ext uri="{28A0092B-C50C-407E-A947-70E740481C1C}">
+                <a14:useLocalDpi xmlns:a14="http://schemas.microsoft.com/office/drawing/2010/main" val="0"/>
+              </a:ext>
+            </a:extLst>
+          </a:blip>
+          <a:srcRect/>
+          <a:stretch>
+            <a:fillRect/>
+          </a:stretch>
+        </p:blipFill>
+        <p:spPr bwMode="auto">
+          <a:xfrm>
+            <a:off x="4420891" y="2576963"/>
+            <a:ext cx="3350218" cy="3600000"/>
+          </a:xfrm>
+          <a:prstGeom prst="rect">
+            <a:avLst/>
+          </a:prstGeom>
+          <a:noFill/>
+          <a:ln>
+            <a:noFill/>
+          </a:ln>
+          <a:extLst>
+            <a:ext uri="{909E8E84-426E-40DD-AFC4-6F175D3DCCD1}">
+              <a14:hiddenFill xmlns:a14="http://schemas.microsoft.com/office/drawing/2010/main">
+                <a:solidFill>
+                  <a:srgbClr val="FFFFFF"/>
+                </a:solidFill>
+              </a14:hiddenFill>
+            </a:ext>
+            <a:ext uri="{91240B29-F687-4F45-9708-019B960494DF}">
+              <a14:hiddenLine xmlns:a14="http://schemas.microsoft.com/office/drawing/2010/main" w="9525">
+                <a:solidFill>
+                  <a:srgbClr val="000000"/>
+                </a:solidFill>
+                <a:miter lim="800000"/>
+                <a:headEnd/>
+                <a:tailEnd/>
+              </a14:hiddenLine>
+            </a:ext>
+          </a:extLst>
+        </p:spPr>
+      </p:pic>
+      <p:sp>
+        <p:nvSpPr>
+          <p:cNvPr id="15" name="CaixaDeTexto 14">
+            <a:extLst>
+              <a:ext uri="{FF2B5EF4-FFF2-40B4-BE49-F238E27FC236}">
+                <a16:creationId xmlns:a16="http://schemas.microsoft.com/office/drawing/2014/main" id="{C84D05FD-0814-4DF6-8669-7759EEE88701}"/>
+              </a:ext>
+            </a:extLst>
+          </p:cNvPr>
+          <p:cNvSpPr txBox="1"/>
+          <p:nvPr/>
+        </p:nvSpPr>
+        <p:spPr>
+          <a:xfrm>
+            <a:off x="5208104" y="5992296"/>
+            <a:ext cx="1775791" cy="369332"/>
+          </a:xfrm>
+          <a:prstGeom prst="rect">
+            <a:avLst/>
+          </a:prstGeom>
+          <a:noFill/>
+        </p:spPr>
+        <p:txBody>
+          <a:bodyPr wrap="square">
+            <a:spAutoFit/>
+          </a:bodyPr>
+          <a:lstStyle/>
+          <a:p>
+            <a:pPr algn="ctr"/>
+            <a:r>
+              <a:rPr lang="pt-BR" b="1" dirty="0" err="1">
+                <a:solidFill>
+                  <a:srgbClr val="FFFF00"/>
+                </a:solidFill>
+              </a:rPr>
+              <a:t>ma</a:t>
+            </a:r>
+            <a:r>
+              <a:rPr lang="pt-BR" b="1" dirty="0">
+                <a:solidFill>
+                  <a:srgbClr val="FFFF00"/>
+                </a:solidFill>
+              </a:rPr>
+              <a:t>-</a:t>
+            </a:r>
+            <a:r>
+              <a:rPr lang="pt-BR" b="1" dirty="0" err="1">
+                <a:solidFill>
+                  <a:srgbClr val="FFFF00"/>
+                </a:solidFill>
+              </a:rPr>
+              <a:t>tzi</a:t>
+            </a:r>
+            <a:r>
+              <a:rPr lang="pt-BR" b="1" dirty="0">
+                <a:solidFill>
+                  <a:srgbClr val="FFFF00"/>
+                </a:solidFill>
+              </a:rPr>
+              <a:t>-li</a:t>
+            </a:r>
+          </a:p>
+        </p:txBody>
+      </p:sp>
     </p:spTree>
     <p:extLst>
       <p:ext uri="{BB962C8B-B14F-4D97-AF65-F5344CB8AC3E}">
@@ -8742,10 +8884,10 @@
       </p:sp>
       <p:pic>
         <p:nvPicPr>
-          <p:cNvPr id="5" name="Imagem 4" descr="Ícone&#10;&#10;Descrição gerada automaticamente">
-            <a:extLst>
-              <a:ext uri="{FF2B5EF4-FFF2-40B4-BE49-F238E27FC236}">
-                <a16:creationId xmlns:a16="http://schemas.microsoft.com/office/drawing/2014/main" id="{C1B9FE36-11C7-4EE3-90E1-4834AC6EA72E}"/>
+          <p:cNvPr id="6" name="Imagem 5">
+            <a:extLst>
+              <a:ext uri="{FF2B5EF4-FFF2-40B4-BE49-F238E27FC236}">
+                <a16:creationId xmlns:a16="http://schemas.microsoft.com/office/drawing/2014/main" id="{7A901372-78AE-441A-ADB6-681A78442DAC}"/>
               </a:ext>
             </a:extLst>
           </p:cNvPr>
@@ -8768,8 +8910,8 @@
         </p:blipFill>
         <p:spPr>
           <a:xfrm>
-            <a:off x="10265296" y="5236069"/>
-            <a:ext cx="1088504" cy="1080000"/>
+            <a:off x="10273800" y="5096963"/>
+            <a:ext cx="1080000" cy="1080000"/>
           </a:xfrm>
           <a:prstGeom prst="rect">
             <a:avLst/>

--- a/slides/Projeto Maia.pptx
+++ b/slides/Projeto Maia.pptx
@@ -8593,22 +8593,6 @@
                 </a:solidFill>
               </a:rPr>
               <a:t> Meet e utiliza o </a:t>
-            </a:r>
-            <a:r>
-              <a:rPr lang="pt-BR" dirty="0" err="1">
-                <a:solidFill>
-                  <a:srgbClr val="FFFF00"/>
-                </a:solidFill>
-              </a:rPr>
-              <a:t>Jitsi</a:t>
-            </a:r>
-            <a:r>
-              <a:rPr lang="pt-BR" dirty="0">
-                <a:solidFill>
-                  <a:srgbClr val="FFFF00"/>
-                </a:solidFill>
-              </a:rPr>
-              <a:t> </a:t>
             </a:r>
             <a:r>
               <a:rPr lang="pt-BR" dirty="0" err="1">
